--- a/Powerpoint.pptx
+++ b/Powerpoint.pptx
@@ -5,10 +5,10 @@
     <p:sldMasterId id="2147483648" r:id="rId4"/>
   </p:sldMasterIdLst>
   <p:notesMasterIdLst>
-    <p:notesMasterId r:id="rId18"/>
+    <p:notesMasterId r:id="rId19"/>
   </p:notesMasterIdLst>
   <p:handoutMasterIdLst>
-    <p:handoutMasterId r:id="rId19"/>
+    <p:handoutMasterId r:id="rId20"/>
   </p:handoutMasterIdLst>
   <p:sldIdLst>
     <p:sldId id="2448" r:id="rId5"/>
@@ -19,11 +19,12 @@
     <p:sldId id="2464" r:id="rId10"/>
     <p:sldId id="2433" r:id="rId11"/>
     <p:sldId id="2432" r:id="rId12"/>
-    <p:sldId id="2465" r:id="rId13"/>
-    <p:sldId id="2466" r:id="rId14"/>
-    <p:sldId id="2453" r:id="rId15"/>
-    <p:sldId id="2456" r:id="rId16"/>
-    <p:sldId id="2436" r:id="rId17"/>
+    <p:sldId id="2467" r:id="rId13"/>
+    <p:sldId id="2465" r:id="rId14"/>
+    <p:sldId id="2466" r:id="rId15"/>
+    <p:sldId id="2453" r:id="rId16"/>
+    <p:sldId id="2456" r:id="rId17"/>
+    <p:sldId id="2436" r:id="rId18"/>
   </p:sldIdLst>
   <p:sldSz cx="12192000" cy="6858000"/>
   <p:notesSz cx="6858000" cy="9144000"/>
@@ -243,7 +244,7 @@
           <a:p>
             <a:fld id="{966D5B4E-BF3E-3B45-A4BA-D6C3B92870D7}" type="datetimeFigureOut">
               <a:rPr lang="en-US" smtClean="0"/>
-              <a:t>10/3/2020</a:t>
+              <a:t>10/4/2020</a:t>
             </a:fld>
             <a:endParaRPr lang="en-US" dirty="0"/>
           </a:p>
@@ -1010,7 +1011,7 @@
           <a:p>
             <a:fld id="{228B34ED-4CDD-41C9-90F7-D768D5559A6F}" type="slidenum">
               <a:rPr lang="en-US" smtClean="0"/>
-              <a:t>12</a:t>
+              <a:t>13</a:t>
             </a:fld>
             <a:endParaRPr lang="en-US" dirty="0"/>
           </a:p>
@@ -5615,7 +5616,7 @@
           <p:cNvPr id="2" name="Title 1">
             <a:extLst>
               <a:ext uri="{FF2B5EF4-FFF2-40B4-BE49-F238E27FC236}">
-                <a16:creationId xmlns:a16="http://schemas.microsoft.com/office/drawing/2014/main" id="{3616C20E-D346-4446-AEFC-16F4BDAD7AB6}"/>
+                <a16:creationId xmlns:a16="http://schemas.microsoft.com/office/drawing/2014/main" id="{626AFF95-3434-4B32-B5CA-0272ACDC31AF}"/>
               </a:ext>
             </a:extLst>
           </p:cNvPr>
@@ -5628,8 +5629,8 @@
         </p:nvSpPr>
         <p:spPr>
           <a:xfrm>
-            <a:off x="594519" y="1"/>
-            <a:ext cx="11002962" cy="965517"/>
+            <a:off x="594519" y="164110"/>
+            <a:ext cx="11002962" cy="823913"/>
           </a:xfrm>
         </p:spPr>
         <p:txBody>
@@ -5638,17 +5639,17 @@
           <a:p>
             <a:r>
               <a:rPr lang="en-US" dirty="0"/>
-              <a:t>Loan Amounts Vs. race/ethnicity</a:t>
-            </a:r>
-          </a:p>
-        </p:txBody>
-      </p:sp>
-      <p:sp>
-        <p:nvSpPr>
-          <p:cNvPr id="9" name="Slide Number Placeholder 8">
-            <a:extLst>
-              <a:ext uri="{FF2B5EF4-FFF2-40B4-BE49-F238E27FC236}">
-                <a16:creationId xmlns:a16="http://schemas.microsoft.com/office/drawing/2014/main" id="{F4D10161-A573-4043-AE2B-4632172C38ED}"/>
+              <a:t>Conforming Loan Limits</a:t>
+            </a:r>
+          </a:p>
+        </p:txBody>
+      </p:sp>
+      <p:sp>
+        <p:nvSpPr>
+          <p:cNvPr id="3" name="Slide Number Placeholder 2">
+            <a:extLst>
+              <a:ext uri="{FF2B5EF4-FFF2-40B4-BE49-F238E27FC236}">
+                <a16:creationId xmlns:a16="http://schemas.microsoft.com/office/drawing/2014/main" id="{589CDBF1-55D7-48C9-971F-DCA0BA63D632}"/>
               </a:ext>
             </a:extLst>
           </p:cNvPr>
@@ -5656,7 +5657,7 @@
             <a:spLocks noGrp="1"/>
           </p:cNvSpPr>
           <p:nvPr>
-            <p:ph type="sldNum" sz="quarter" idx="16"/>
+            <p:ph type="sldNum" sz="quarter" idx="11"/>
           </p:nvPr>
         </p:nvSpPr>
         <p:spPr/>
@@ -5672,144 +5673,12 @@
           </a:p>
         </p:txBody>
       </p:sp>
-      <p:pic>
-        <p:nvPicPr>
-          <p:cNvPr id="11" name="Picture 10">
-            <a:extLst>
-              <a:ext uri="{FF2B5EF4-FFF2-40B4-BE49-F238E27FC236}">
-                <a16:creationId xmlns:a16="http://schemas.microsoft.com/office/drawing/2014/main" id="{BDB17341-E19B-45B1-8748-CA0DFA55D7D5}"/>
-              </a:ext>
-            </a:extLst>
-          </p:cNvPr>
-          <p:cNvPicPr>
-            <a:picLocks noChangeAspect="1"/>
-          </p:cNvPicPr>
-          <p:nvPr/>
-        </p:nvPicPr>
-        <p:blipFill>
-          <a:blip r:embed="rId2"/>
-          <a:stretch>
-            <a:fillRect/>
-          </a:stretch>
-        </p:blipFill>
-        <p:spPr>
-          <a:xfrm>
-            <a:off x="163195" y="2195585"/>
-            <a:ext cx="5831205" cy="3818499"/>
-          </a:xfrm>
-          <a:prstGeom prst="rect">
-            <a:avLst/>
-          </a:prstGeom>
-        </p:spPr>
-      </p:pic>
-      <p:pic>
-        <p:nvPicPr>
-          <p:cNvPr id="13" name="Picture 12">
-            <a:extLst>
-              <a:ext uri="{FF2B5EF4-FFF2-40B4-BE49-F238E27FC236}">
-                <a16:creationId xmlns:a16="http://schemas.microsoft.com/office/drawing/2014/main" id="{AAC66E6E-A2CA-41C4-BD30-9666DFB610EC}"/>
-              </a:ext>
-            </a:extLst>
-          </p:cNvPr>
-          <p:cNvPicPr>
-            <a:picLocks noChangeAspect="1"/>
-          </p:cNvPicPr>
-          <p:nvPr/>
-        </p:nvPicPr>
-        <p:blipFill>
-          <a:blip r:embed="rId3"/>
-          <a:stretch>
-            <a:fillRect/>
-          </a:stretch>
-        </p:blipFill>
-        <p:spPr>
-          <a:xfrm>
-            <a:off x="6096000" y="2386834"/>
-            <a:ext cx="5760531" cy="3270495"/>
-          </a:xfrm>
-          <a:prstGeom prst="rect">
-            <a:avLst/>
-          </a:prstGeom>
-        </p:spPr>
-      </p:pic>
-      <p:sp>
-        <p:nvSpPr>
-          <p:cNvPr id="14" name="TextBox 13">
-            <a:extLst>
-              <a:ext uri="{FF2B5EF4-FFF2-40B4-BE49-F238E27FC236}">
-                <a16:creationId xmlns:a16="http://schemas.microsoft.com/office/drawing/2014/main" id="{2D764CA8-C94B-466E-B82F-6A07E5E5B0D7}"/>
-              </a:ext>
-            </a:extLst>
-          </p:cNvPr>
-          <p:cNvSpPr txBox="1"/>
-          <p:nvPr/>
-        </p:nvSpPr>
-        <p:spPr>
-          <a:xfrm>
-            <a:off x="233680" y="1534160"/>
-            <a:ext cx="5760720" cy="369332"/>
-          </a:xfrm>
-          <a:prstGeom prst="rect">
-            <a:avLst/>
-          </a:prstGeom>
-          <a:noFill/>
-        </p:spPr>
-        <p:txBody>
-          <a:bodyPr wrap="square" rtlCol="0">
-            <a:spAutoFit/>
-          </a:bodyPr>
-          <a:lstStyle/>
-          <a:p>
-            <a:pPr algn="ctr"/>
-            <a:r>
-              <a:rPr lang="en-US" dirty="0"/>
-              <a:t>Loan Amounts vs. Race</a:t>
-            </a:r>
-          </a:p>
-        </p:txBody>
-      </p:sp>
-      <p:sp>
-        <p:nvSpPr>
-          <p:cNvPr id="15" name="TextBox 14">
-            <a:extLst>
-              <a:ext uri="{FF2B5EF4-FFF2-40B4-BE49-F238E27FC236}">
-                <a16:creationId xmlns:a16="http://schemas.microsoft.com/office/drawing/2014/main" id="{561DE93B-68CB-42B8-9298-E0652AA6090D}"/>
-              </a:ext>
-            </a:extLst>
-          </p:cNvPr>
-          <p:cNvSpPr txBox="1"/>
-          <p:nvPr/>
-        </p:nvSpPr>
-        <p:spPr>
-          <a:xfrm>
-            <a:off x="6339746" y="1534160"/>
-            <a:ext cx="5273038" cy="369332"/>
-          </a:xfrm>
-          <a:prstGeom prst="rect">
-            <a:avLst/>
-          </a:prstGeom>
-          <a:noFill/>
-        </p:spPr>
-        <p:txBody>
-          <a:bodyPr wrap="square" rtlCol="0">
-            <a:spAutoFit/>
-          </a:bodyPr>
-          <a:lstStyle/>
-          <a:p>
-            <a:pPr algn="ctr"/>
-            <a:r>
-              <a:rPr lang="en-US" dirty="0"/>
-              <a:t>Loan Amounts vs. Ethnicity</a:t>
-            </a:r>
-          </a:p>
-        </p:txBody>
-      </p:sp>
-      <p:sp>
-        <p:nvSpPr>
-          <p:cNvPr id="17" name="Rectangle 16">
-            <a:extLst>
-              <a:ext uri="{FF2B5EF4-FFF2-40B4-BE49-F238E27FC236}">
-                <a16:creationId xmlns:a16="http://schemas.microsoft.com/office/drawing/2014/main" id="{84FB7CB4-7DA4-4EE5-99E5-36B7D00CDA4A}"/>
+      <p:sp>
+        <p:nvSpPr>
+          <p:cNvPr id="5" name="Rectangle 4">
+            <a:extLst>
+              <a:ext uri="{FF2B5EF4-FFF2-40B4-BE49-F238E27FC236}">
+                <a16:creationId xmlns:a16="http://schemas.microsoft.com/office/drawing/2014/main" id="{3617D09D-2FCF-4242-B31A-5B4E7D8906FD}"/>
               </a:ext>
               <a:ext uri="{C183D7F6-B498-43B3-948B-1728B52AA6E4}">
                 <adec:decorative xmlns:adec="http://schemas.microsoft.com/office/drawing/2017/decorative" val="1"/>
@@ -5821,7 +5690,7 @@
         </p:nvSpPr>
         <p:spPr>
           <a:xfrm>
-            <a:off x="461170" y="952512"/>
+            <a:off x="399027" y="928481"/>
             <a:ext cx="11002961" cy="318175"/>
           </a:xfrm>
           <a:prstGeom prst="rect">
@@ -5876,6 +5745,398 @@
           </a:p>
         </p:txBody>
       </p:sp>
+      <p:sp>
+        <p:nvSpPr>
+          <p:cNvPr id="10" name="TextBox 9">
+            <a:extLst>
+              <a:ext uri="{FF2B5EF4-FFF2-40B4-BE49-F238E27FC236}">
+                <a16:creationId xmlns:a16="http://schemas.microsoft.com/office/drawing/2014/main" id="{E1A9BE5C-BD73-43B7-BBE7-C44B4C3B6FBB}"/>
+              </a:ext>
+            </a:extLst>
+          </p:cNvPr>
+          <p:cNvSpPr txBox="1"/>
+          <p:nvPr/>
+        </p:nvSpPr>
+        <p:spPr>
+          <a:xfrm>
+            <a:off x="297427" y="4805672"/>
+            <a:ext cx="5046733" cy="584775"/>
+          </a:xfrm>
+          <a:prstGeom prst="rect">
+            <a:avLst/>
+          </a:prstGeom>
+          <a:noFill/>
+        </p:spPr>
+        <p:txBody>
+          <a:bodyPr wrap="square" rtlCol="0">
+            <a:spAutoFit/>
+          </a:bodyPr>
+          <a:lstStyle/>
+          <a:p>
+            <a:pPr algn="ctr"/>
+            <a:r>
+              <a:rPr lang="en-US" sz="1600" dirty="0"/>
+              <a:t>*-A non-conforming loan is a loan that fails to meet a bank’s criteria for funding. </a:t>
+            </a:r>
+          </a:p>
+        </p:txBody>
+      </p:sp>
+      <p:pic>
+        <p:nvPicPr>
+          <p:cNvPr id="13" name="Picture 12">
+            <a:extLst>
+              <a:ext uri="{FF2B5EF4-FFF2-40B4-BE49-F238E27FC236}">
+                <a16:creationId xmlns:a16="http://schemas.microsoft.com/office/drawing/2014/main" id="{1C580924-E321-42E5-B288-264024EF8866}"/>
+              </a:ext>
+            </a:extLst>
+          </p:cNvPr>
+          <p:cNvPicPr>
+            <a:picLocks noChangeAspect="1"/>
+          </p:cNvPicPr>
+          <p:nvPr/>
+        </p:nvPicPr>
+        <p:blipFill>
+          <a:blip r:embed="rId2"/>
+          <a:stretch>
+            <a:fillRect/>
+          </a:stretch>
+        </p:blipFill>
+        <p:spPr>
+          <a:xfrm>
+            <a:off x="0" y="1246656"/>
+            <a:ext cx="6000317" cy="3213584"/>
+          </a:xfrm>
+          <a:prstGeom prst="rect">
+            <a:avLst/>
+          </a:prstGeom>
+        </p:spPr>
+      </p:pic>
+      <p:pic>
+        <p:nvPicPr>
+          <p:cNvPr id="15" name="Picture 14">
+            <a:extLst>
+              <a:ext uri="{FF2B5EF4-FFF2-40B4-BE49-F238E27FC236}">
+                <a16:creationId xmlns:a16="http://schemas.microsoft.com/office/drawing/2014/main" id="{A2316870-0CAD-4D31-9B46-DBB24592A547}"/>
+              </a:ext>
+            </a:extLst>
+          </p:cNvPr>
+          <p:cNvPicPr>
+            <a:picLocks noChangeAspect="1"/>
+          </p:cNvPicPr>
+          <p:nvPr/>
+        </p:nvPicPr>
+        <p:blipFill>
+          <a:blip r:embed="rId3"/>
+          <a:stretch>
+            <a:fillRect/>
+          </a:stretch>
+        </p:blipFill>
+        <p:spPr>
+          <a:xfrm>
+            <a:off x="5720080" y="3328615"/>
+            <a:ext cx="6471920" cy="3449500"/>
+          </a:xfrm>
+          <a:prstGeom prst="rect">
+            <a:avLst/>
+          </a:prstGeom>
+        </p:spPr>
+      </p:pic>
+    </p:spTree>
+    <p:extLst>
+      <p:ext uri="{BB962C8B-B14F-4D97-AF65-F5344CB8AC3E}">
+        <p14:creationId xmlns:p14="http://schemas.microsoft.com/office/powerpoint/2010/main" val="464171733"/>
+      </p:ext>
+    </p:extLst>
+  </p:cSld>
+  <p:clrMapOvr>
+    <a:masterClrMapping/>
+  </p:clrMapOvr>
+</p:sld>
+</file>
+
+<file path=ppt/slides/slide11.xml><?xml version="1.0" encoding="utf-8"?>
+<p:sld xmlns:a="http://schemas.openxmlformats.org/drawingml/2006/main" xmlns:r="http://schemas.openxmlformats.org/officeDocument/2006/relationships" xmlns:p="http://schemas.openxmlformats.org/presentationml/2006/main">
+  <p:cSld>
+    <p:spTree>
+      <p:nvGrpSpPr>
+        <p:cNvPr id="1" name=""/>
+        <p:cNvGrpSpPr/>
+        <p:nvPr/>
+      </p:nvGrpSpPr>
+      <p:grpSpPr>
+        <a:xfrm>
+          <a:off x="0" y="0"/>
+          <a:ext cx="0" cy="0"/>
+          <a:chOff x="0" y="0"/>
+          <a:chExt cx="0" cy="0"/>
+        </a:xfrm>
+      </p:grpSpPr>
+      <p:sp>
+        <p:nvSpPr>
+          <p:cNvPr id="2" name="Title 1">
+            <a:extLst>
+              <a:ext uri="{FF2B5EF4-FFF2-40B4-BE49-F238E27FC236}">
+                <a16:creationId xmlns:a16="http://schemas.microsoft.com/office/drawing/2014/main" id="{3616C20E-D346-4446-AEFC-16F4BDAD7AB6}"/>
+              </a:ext>
+            </a:extLst>
+          </p:cNvPr>
+          <p:cNvSpPr>
+            <a:spLocks noGrp="1"/>
+          </p:cNvSpPr>
+          <p:nvPr>
+            <p:ph type="title"/>
+          </p:nvPr>
+        </p:nvSpPr>
+        <p:spPr>
+          <a:xfrm>
+            <a:off x="594519" y="1"/>
+            <a:ext cx="11002962" cy="965517"/>
+          </a:xfrm>
+        </p:spPr>
+        <p:txBody>
+          <a:bodyPr/>
+          <a:lstStyle/>
+          <a:p>
+            <a:r>
+              <a:rPr lang="en-US" dirty="0"/>
+              <a:t>Loan Amounts Vs. race/ethnicity</a:t>
+            </a:r>
+          </a:p>
+        </p:txBody>
+      </p:sp>
+      <p:sp>
+        <p:nvSpPr>
+          <p:cNvPr id="9" name="Slide Number Placeholder 8">
+            <a:extLst>
+              <a:ext uri="{FF2B5EF4-FFF2-40B4-BE49-F238E27FC236}">
+                <a16:creationId xmlns:a16="http://schemas.microsoft.com/office/drawing/2014/main" id="{F4D10161-A573-4043-AE2B-4632172C38ED}"/>
+              </a:ext>
+            </a:extLst>
+          </p:cNvPr>
+          <p:cNvSpPr>
+            <a:spLocks noGrp="1"/>
+          </p:cNvSpPr>
+          <p:nvPr>
+            <p:ph type="sldNum" sz="quarter" idx="16"/>
+          </p:nvPr>
+        </p:nvSpPr>
+        <p:spPr/>
+        <p:txBody>
+          <a:bodyPr/>
+          <a:lstStyle/>
+          <a:p>
+            <a:fld id="{8C2E478F-E849-4A8C-AF1F-CBCC78A7CBFA}" type="slidenum">
+              <a:rPr lang="en-US" smtClean="0"/>
+              <a:t>11</a:t>
+            </a:fld>
+            <a:endParaRPr lang="en-US" dirty="0"/>
+          </a:p>
+        </p:txBody>
+      </p:sp>
+      <p:sp>
+        <p:nvSpPr>
+          <p:cNvPr id="14" name="TextBox 13">
+            <a:extLst>
+              <a:ext uri="{FF2B5EF4-FFF2-40B4-BE49-F238E27FC236}">
+                <a16:creationId xmlns:a16="http://schemas.microsoft.com/office/drawing/2014/main" id="{2D764CA8-C94B-466E-B82F-6A07E5E5B0D7}"/>
+              </a:ext>
+            </a:extLst>
+          </p:cNvPr>
+          <p:cNvSpPr txBox="1"/>
+          <p:nvPr/>
+        </p:nvSpPr>
+        <p:spPr>
+          <a:xfrm>
+            <a:off x="233680" y="1534160"/>
+            <a:ext cx="5760720" cy="369332"/>
+          </a:xfrm>
+          <a:prstGeom prst="rect">
+            <a:avLst/>
+          </a:prstGeom>
+          <a:noFill/>
+        </p:spPr>
+        <p:txBody>
+          <a:bodyPr wrap="square" rtlCol="0">
+            <a:spAutoFit/>
+          </a:bodyPr>
+          <a:lstStyle/>
+          <a:p>
+            <a:pPr algn="ctr"/>
+            <a:r>
+              <a:rPr lang="en-US" dirty="0"/>
+              <a:t>Loan Amounts vs. Race</a:t>
+            </a:r>
+          </a:p>
+        </p:txBody>
+      </p:sp>
+      <p:sp>
+        <p:nvSpPr>
+          <p:cNvPr id="15" name="TextBox 14">
+            <a:extLst>
+              <a:ext uri="{FF2B5EF4-FFF2-40B4-BE49-F238E27FC236}">
+                <a16:creationId xmlns:a16="http://schemas.microsoft.com/office/drawing/2014/main" id="{561DE93B-68CB-42B8-9298-E0652AA6090D}"/>
+              </a:ext>
+            </a:extLst>
+          </p:cNvPr>
+          <p:cNvSpPr txBox="1"/>
+          <p:nvPr/>
+        </p:nvSpPr>
+        <p:spPr>
+          <a:xfrm>
+            <a:off x="6339746" y="1534160"/>
+            <a:ext cx="5273038" cy="369332"/>
+          </a:xfrm>
+          <a:prstGeom prst="rect">
+            <a:avLst/>
+          </a:prstGeom>
+          <a:noFill/>
+        </p:spPr>
+        <p:txBody>
+          <a:bodyPr wrap="square" rtlCol="0">
+            <a:spAutoFit/>
+          </a:bodyPr>
+          <a:lstStyle/>
+          <a:p>
+            <a:pPr algn="ctr"/>
+            <a:r>
+              <a:rPr lang="en-US" dirty="0"/>
+              <a:t>Loan Amounts vs. Ethnicity</a:t>
+            </a:r>
+          </a:p>
+        </p:txBody>
+      </p:sp>
+      <p:sp>
+        <p:nvSpPr>
+          <p:cNvPr id="17" name="Rectangle 16">
+            <a:extLst>
+              <a:ext uri="{FF2B5EF4-FFF2-40B4-BE49-F238E27FC236}">
+                <a16:creationId xmlns:a16="http://schemas.microsoft.com/office/drawing/2014/main" id="{84FB7CB4-7DA4-4EE5-99E5-36B7D00CDA4A}"/>
+              </a:ext>
+              <a:ext uri="{C183D7F6-B498-43B3-948B-1728B52AA6E4}">
+                <adec:decorative xmlns:adec="http://schemas.microsoft.com/office/drawing/2017/decorative" val="1"/>
+              </a:ext>
+            </a:extLst>
+          </p:cNvPr>
+          <p:cNvSpPr/>
+          <p:nvPr/>
+        </p:nvSpPr>
+        <p:spPr>
+          <a:xfrm>
+            <a:off x="461170" y="952512"/>
+            <a:ext cx="11002961" cy="318175"/>
+          </a:xfrm>
+          <a:prstGeom prst="rect">
+            <a:avLst/>
+          </a:prstGeom>
+          <a:gradFill flip="none" rotWithShape="1">
+            <a:gsLst>
+              <a:gs pos="0">
+                <a:schemeClr val="accent5"/>
+              </a:gs>
+              <a:gs pos="100000">
+                <a:schemeClr val="accent2">
+                  <a:lumMod val="97000"/>
+                  <a:lumOff val="3000"/>
+                </a:schemeClr>
+              </a:gs>
+              <a:gs pos="50000">
+                <a:schemeClr val="accent1"/>
+              </a:gs>
+            </a:gsLst>
+            <a:path path="circle">
+              <a:fillToRect l="100000" t="100000"/>
+            </a:path>
+            <a:tileRect r="-100000" b="-100000"/>
+          </a:gradFill>
+          <a:ln>
+            <a:noFill/>
+          </a:ln>
+        </p:spPr>
+        <p:style>
+          <a:lnRef idx="2">
+            <a:schemeClr val="accent1">
+              <a:shade val="50000"/>
+            </a:schemeClr>
+          </a:lnRef>
+          <a:fillRef idx="1">
+            <a:schemeClr val="accent1"/>
+          </a:fillRef>
+          <a:effectRef idx="0">
+            <a:schemeClr val="accent1"/>
+          </a:effectRef>
+          <a:fontRef idx="minor">
+            <a:schemeClr val="lt1"/>
+          </a:fontRef>
+        </p:style>
+        <p:txBody>
+          <a:bodyPr rtlCol="0" anchor="ctr"/>
+          <a:lstStyle/>
+          <a:p>
+            <a:pPr algn="ctr"/>
+            <a:endParaRPr lang="en-US" dirty="0"/>
+          </a:p>
+        </p:txBody>
+      </p:sp>
+      <p:pic>
+        <p:nvPicPr>
+          <p:cNvPr id="4" name="Picture 3">
+            <a:extLst>
+              <a:ext uri="{FF2B5EF4-FFF2-40B4-BE49-F238E27FC236}">
+                <a16:creationId xmlns:a16="http://schemas.microsoft.com/office/drawing/2014/main" id="{A4AADF1E-FA28-49E1-AF98-E669893FA983}"/>
+              </a:ext>
+            </a:extLst>
+          </p:cNvPr>
+          <p:cNvPicPr>
+            <a:picLocks noChangeAspect="1"/>
+          </p:cNvPicPr>
+          <p:nvPr/>
+        </p:nvPicPr>
+        <p:blipFill>
+          <a:blip r:embed="rId2"/>
+          <a:stretch>
+            <a:fillRect/>
+          </a:stretch>
+        </p:blipFill>
+        <p:spPr>
+          <a:xfrm>
+            <a:off x="6077272" y="2145207"/>
+            <a:ext cx="5797985" cy="3385122"/>
+          </a:xfrm>
+          <a:prstGeom prst="rect">
+            <a:avLst/>
+          </a:prstGeom>
+        </p:spPr>
+      </p:pic>
+      <p:pic>
+        <p:nvPicPr>
+          <p:cNvPr id="6" name="Picture 5">
+            <a:extLst>
+              <a:ext uri="{FF2B5EF4-FFF2-40B4-BE49-F238E27FC236}">
+                <a16:creationId xmlns:a16="http://schemas.microsoft.com/office/drawing/2014/main" id="{93D3022C-B140-44D8-9A13-12685B3770BB}"/>
+              </a:ext>
+            </a:extLst>
+          </p:cNvPr>
+          <p:cNvPicPr>
+            <a:picLocks noChangeAspect="1"/>
+          </p:cNvPicPr>
+          <p:nvPr/>
+        </p:nvPicPr>
+        <p:blipFill>
+          <a:blip r:embed="rId3"/>
+          <a:stretch>
+            <a:fillRect/>
+          </a:stretch>
+        </p:blipFill>
+        <p:spPr>
+          <a:xfrm>
+            <a:off x="233680" y="2166965"/>
+            <a:ext cx="5760720" cy="3680297"/>
+          </a:xfrm>
+          <a:prstGeom prst="rect">
+            <a:avLst/>
+          </a:prstGeom>
+        </p:spPr>
+      </p:pic>
     </p:spTree>
     <p:extLst>
       <p:ext uri="{BB962C8B-B14F-4D97-AF65-F5344CB8AC3E}">
@@ -5889,7 +6150,7 @@
 </p:sld>
 </file>
 
-<file path=ppt/slides/slide11.xml><?xml version="1.0" encoding="utf-8"?>
+<file path=ppt/slides/slide12.xml><?xml version="1.0" encoding="utf-8"?>
 <p:sld xmlns:a="http://schemas.openxmlformats.org/drawingml/2006/main" xmlns:r="http://schemas.openxmlformats.org/officeDocument/2006/relationships" xmlns:p="http://schemas.openxmlformats.org/presentationml/2006/main">
   <p:cSld>
     <p:spTree>
@@ -7456,7 +7717,7 @@
           <a:p>
             <a:fld id="{8C2E478F-E849-4A8C-AF1F-CBCC78A7CBFA}" type="slidenum">
               <a:rPr lang="en-US" smtClean="0"/>
-              <a:t>11</a:t>
+              <a:t>12</a:t>
             </a:fld>
             <a:endParaRPr lang="en-US" dirty="0"/>
           </a:p>
@@ -7475,7 +7736,7 @@
 </p:sld>
 </file>
 
-<file path=ppt/slides/slide12.xml><?xml version="1.0" encoding="utf-8"?>
+<file path=ppt/slides/slide13.xml><?xml version="1.0" encoding="utf-8"?>
 <p:sld xmlns:a="http://schemas.openxmlformats.org/drawingml/2006/main" xmlns:r="http://schemas.openxmlformats.org/officeDocument/2006/relationships" xmlns:p="http://schemas.openxmlformats.org/presentationml/2006/main">
   <p:cSld>
     <p:spTree>
@@ -7583,13 +7844,13 @@
         </p:nvSpPr>
         <p:spPr>
           <a:xfrm>
-            <a:off x="5516880" y="721360"/>
-            <a:ext cx="6248400" cy="5147931"/>
+            <a:off x="5516879" y="721360"/>
+            <a:ext cx="6362369" cy="5466080"/>
           </a:xfrm>
         </p:spPr>
         <p:txBody>
           <a:bodyPr>
-            <a:normAutofit lnSpcReduction="10000"/>
+            <a:normAutofit fontScale="92500" lnSpcReduction="20000"/>
           </a:bodyPr>
           <a:lstStyle/>
           <a:p>
@@ -7661,7 +7922,7 @@
                 <a:ea typeface="+mn-ea"/>
                 <a:cs typeface="Biome Light" panose="020B0303030204020804" pitchFamily="34" charset="0"/>
               </a:rPr>
-              <a:t>Profits are up in the last quarter by 3%</a:t>
+              <a:t>Although joint loans are the most common.</a:t>
             </a:r>
           </a:p>
           <a:p>
@@ -7752,22 +8013,25 @@
               <a:defRPr/>
             </a:pPr>
             <a:r>
-              <a:rPr kumimoji="0" lang="en-US" sz="1600" b="0" i="0" u="none" strike="noStrike" kern="1200" cap="none" spc="0" normalizeH="0" baseline="0" noProof="0" dirty="0">
-                <a:ln>
-                  <a:noFill/>
-                </a:ln>
-                <a:solidFill>
-                  <a:schemeClr val="tx1"/>
-                </a:solidFill>
-                <a:effectLst/>
-                <a:uLnTx/>
-                <a:uFillTx/>
-                <a:latin typeface="+mn-lt"/>
-                <a:ea typeface="+mn-ea"/>
+              <a:rPr lang="en-US" dirty="0">
                 <a:cs typeface="Biome Light" panose="020B0303030204020804" pitchFamily="34" charset="0"/>
               </a:rPr>
-              <a:t>We finished the consolidation project</a:t>
-            </a:r>
+              <a:t>The only significant demographic that acquired even a noticeable percentage of non-conforming loans, with others receiving non at all</a:t>
+            </a:r>
+            <a:endParaRPr kumimoji="0" lang="en-US" sz="1600" b="0" i="0" u="none" strike="noStrike" kern="1200" cap="none" spc="0" normalizeH="0" baseline="0" noProof="0" dirty="0">
+              <a:ln>
+                <a:noFill/>
+              </a:ln>
+              <a:solidFill>
+                <a:schemeClr val="tx1"/>
+              </a:solidFill>
+              <a:effectLst/>
+              <a:uLnTx/>
+              <a:uFillTx/>
+              <a:latin typeface="+mn-lt"/>
+              <a:ea typeface="+mn-ea"/>
+              <a:cs typeface="Biome Light" panose="020B0303030204020804" pitchFamily="34" charset="0"/>
+            </a:endParaRPr>
           </a:p>
           <a:p>
             <a:pPr marL="0" marR="0" lvl="0" indent="0" algn="l" defTabSz="914400" rtl="0" eaLnBrk="1" fontAlgn="auto" latinLnBrk="0" hangingPunct="1">
@@ -7900,7 +8164,7 @@
                 <a:ea typeface="+mn-ea"/>
                 <a:cs typeface="Biome Light" panose="020B0303030204020804" pitchFamily="34" charset="0"/>
               </a:rPr>
-              <a:t>Customer satisfaction increased from 70 to 80%</a:t>
+              <a:t>Native American and African-American populations receive noticeable small loan amounts</a:t>
             </a:r>
           </a:p>
           <a:p>
@@ -7955,22 +8219,25 @@
               <a:defRPr/>
             </a:pPr>
             <a:r>
-              <a:rPr kumimoji="0" lang="en-US" sz="2000" b="0" i="0" u="none" strike="noStrike" kern="1200" cap="none" spc="300" normalizeH="0" baseline="0" noProof="0" dirty="0">
-                <a:ln>
-                  <a:noFill/>
-                </a:ln>
-                <a:solidFill>
-                  <a:schemeClr val="tx1"/>
-                </a:solidFill>
-                <a:effectLst/>
-                <a:uLnTx/>
-                <a:uFillTx/>
-                <a:latin typeface="+mn-lt"/>
-                <a:ea typeface="+mn-ea"/>
+              <a:rPr lang="en-US" sz="2000" spc="300" dirty="0">
                 <a:cs typeface="Biome Light" panose="020B0303030204020804" pitchFamily="34" charset="0"/>
               </a:rPr>
-              <a:t>OUR CUSTOMERS KEEP COMING BACK</a:t>
-            </a:r>
+              <a:t>African-American and Hispanic populations have a disproportionately small number of loans</a:t>
+            </a:r>
+            <a:endParaRPr kumimoji="0" lang="en-US" sz="2000" b="0" i="0" u="none" strike="noStrike" kern="1200" cap="none" spc="300" normalizeH="0" baseline="0" noProof="0" dirty="0">
+              <a:ln>
+                <a:noFill/>
+              </a:ln>
+              <a:solidFill>
+                <a:schemeClr val="tx1"/>
+              </a:solidFill>
+              <a:effectLst/>
+              <a:uLnTx/>
+              <a:uFillTx/>
+              <a:latin typeface="+mn-lt"/>
+              <a:ea typeface="+mn-ea"/>
+              <a:cs typeface="Biome Light" panose="020B0303030204020804" pitchFamily="34" charset="0"/>
+            </a:endParaRPr>
           </a:p>
           <a:p>
             <a:pPr marL="0" marR="0" lvl="0" indent="0" algn="l" defTabSz="914400" rtl="0" eaLnBrk="1" fontAlgn="auto" latinLnBrk="0" hangingPunct="1">
@@ -8005,7 +8272,7 @@
                 <a:ea typeface="+mn-ea"/>
                 <a:cs typeface="Biome Light" panose="020B0303030204020804" pitchFamily="34" charset="0"/>
               </a:rPr>
-              <a:t>We increased customer retention by 4%</a:t>
+              <a:t>And Whites represent a disproportionate majority, as compared to overall NC population percentages</a:t>
             </a:r>
           </a:p>
           <a:p>
@@ -8036,7 +8303,7 @@
           <a:p>
             <a:fld id="{8C2E478F-E849-4A8C-AF1F-CBCC78A7CBFA}" type="slidenum">
               <a:rPr lang="en-US" smtClean="0"/>
-              <a:t>12</a:t>
+              <a:t>13</a:t>
             </a:fld>
             <a:endParaRPr lang="en-US" dirty="0"/>
           </a:p>
@@ -8055,7 +8322,7 @@
 </p:sld>
 </file>
 
-<file path=ppt/slides/slide13.xml><?xml version="1.0" encoding="utf-8"?>
+<file path=ppt/slides/slide14.xml><?xml version="1.0" encoding="utf-8"?>
 <p:sld xmlns:a="http://schemas.openxmlformats.org/drawingml/2006/main" xmlns:r="http://schemas.openxmlformats.org/officeDocument/2006/relationships" xmlns:p="http://schemas.openxmlformats.org/presentationml/2006/main">
   <p:cSld>
     <p:bg>
@@ -9828,7 +10095,7 @@
           <a:p>
             <a:r>
               <a:rPr lang="en-US" sz="4800" dirty="0"/>
-              <a:t>Gender Loan </a:t>
+              <a:t>Gender </a:t>
             </a:r>
             <a:r>
               <a:rPr lang="en-US" dirty="0"/>
@@ -9869,10 +10136,10 @@
       </p:sp>
       <p:pic>
         <p:nvPicPr>
-          <p:cNvPr id="3" name="Picture 2">
-            <a:extLst>
-              <a:ext uri="{FF2B5EF4-FFF2-40B4-BE49-F238E27FC236}">
-                <a16:creationId xmlns:a16="http://schemas.microsoft.com/office/drawing/2014/main" id="{70792139-A53C-47E1-9C21-900AE794F27F}"/>
+          <p:cNvPr id="6" name="Picture 5">
+            <a:extLst>
+              <a:ext uri="{FF2B5EF4-FFF2-40B4-BE49-F238E27FC236}">
+                <a16:creationId xmlns:a16="http://schemas.microsoft.com/office/drawing/2014/main" id="{333B3551-548B-44CE-9126-1334F538F29E}"/>
               </a:ext>
             </a:extLst>
           </p:cNvPr>
@@ -9889,8 +10156,8 @@
         </p:blipFill>
         <p:spPr>
           <a:xfrm>
-            <a:off x="644691" y="1779441"/>
-            <a:ext cx="10635917" cy="4688862"/>
+            <a:off x="1171417" y="1780616"/>
+            <a:ext cx="9847580" cy="4355660"/>
           </a:xfrm>
           <a:prstGeom prst="rect">
             <a:avLst/>
@@ -9955,7 +10222,7 @@
           <a:p>
             <a:r>
               <a:rPr lang="en-US" dirty="0"/>
-              <a:t>Ethnicity/Race Loan Distributions</a:t>
+              <a:t>Ethnicity/Race Distributions</a:t>
             </a:r>
           </a:p>
         </p:txBody>
@@ -10093,10 +10360,10 @@
       </p:pic>
       <p:pic>
         <p:nvPicPr>
-          <p:cNvPr id="14" name="Picture 13">
-            <a:extLst>
-              <a:ext uri="{FF2B5EF4-FFF2-40B4-BE49-F238E27FC236}">
-                <a16:creationId xmlns:a16="http://schemas.microsoft.com/office/drawing/2014/main" id="{6AA91CC1-8C15-47FB-8E57-67F4686231D0}"/>
+          <p:cNvPr id="18" name="Picture 17">
+            <a:extLst>
+              <a:ext uri="{FF2B5EF4-FFF2-40B4-BE49-F238E27FC236}">
+                <a16:creationId xmlns:a16="http://schemas.microsoft.com/office/drawing/2014/main" id="{B5D5723D-57C9-4D85-8428-ABA5134DC746}"/>
               </a:ext>
             </a:extLst>
           </p:cNvPr>
@@ -10113,128 +10380,8 @@
         </p:blipFill>
         <p:spPr>
           <a:xfrm>
-            <a:off x="1481163" y="5098403"/>
-            <a:ext cx="2191094" cy="1411629"/>
-          </a:xfrm>
-          <a:prstGeom prst="rect">
-            <a:avLst/>
-          </a:prstGeom>
-        </p:spPr>
-      </p:pic>
-      <p:pic>
-        <p:nvPicPr>
-          <p:cNvPr id="16" name="Picture 15">
-            <a:extLst>
-              <a:ext uri="{FF2B5EF4-FFF2-40B4-BE49-F238E27FC236}">
-                <a16:creationId xmlns:a16="http://schemas.microsoft.com/office/drawing/2014/main" id="{F7E2E341-DB1F-4377-8EE7-513BBB46B9CD}"/>
-              </a:ext>
-            </a:extLst>
-          </p:cNvPr>
-          <p:cNvPicPr>
-            <a:picLocks noChangeAspect="1"/>
-          </p:cNvPicPr>
-          <p:nvPr/>
-        </p:nvPicPr>
-        <p:blipFill>
-          <a:blip r:embed="rId4"/>
-          <a:stretch>
-            <a:fillRect/>
-          </a:stretch>
-        </p:blipFill>
-        <p:spPr>
-          <a:xfrm>
-            <a:off x="764822" y="2169109"/>
-            <a:ext cx="3067898" cy="2824582"/>
-          </a:xfrm>
-          <a:prstGeom prst="rect">
-            <a:avLst/>
-          </a:prstGeom>
-        </p:spPr>
-      </p:pic>
-      <p:pic>
-        <p:nvPicPr>
-          <p:cNvPr id="18" name="Picture 17">
-            <a:extLst>
-              <a:ext uri="{FF2B5EF4-FFF2-40B4-BE49-F238E27FC236}">
-                <a16:creationId xmlns:a16="http://schemas.microsoft.com/office/drawing/2014/main" id="{B5D5723D-57C9-4D85-8428-ABA5134DC746}"/>
-              </a:ext>
-            </a:extLst>
-          </p:cNvPr>
-          <p:cNvPicPr>
-            <a:picLocks noChangeAspect="1"/>
-          </p:cNvPicPr>
-          <p:nvPr/>
-        </p:nvPicPr>
-        <p:blipFill>
-          <a:blip r:embed="rId5"/>
-          <a:stretch>
-            <a:fillRect/>
-          </a:stretch>
-        </p:blipFill>
-        <p:spPr>
-          <a:xfrm>
             <a:off x="4052794" y="1376779"/>
             <a:ext cx="3305175" cy="390525"/>
-          </a:xfrm>
-          <a:prstGeom prst="rect">
-            <a:avLst/>
-          </a:prstGeom>
-        </p:spPr>
-      </p:pic>
-      <p:pic>
-        <p:nvPicPr>
-          <p:cNvPr id="20" name="Picture 19">
-            <a:extLst>
-              <a:ext uri="{FF2B5EF4-FFF2-40B4-BE49-F238E27FC236}">
-                <a16:creationId xmlns:a16="http://schemas.microsoft.com/office/drawing/2014/main" id="{91BC63A2-406C-4288-B7FE-C99FE7BA7C0A}"/>
-              </a:ext>
-            </a:extLst>
-          </p:cNvPr>
-          <p:cNvPicPr>
-            <a:picLocks noChangeAspect="1"/>
-          </p:cNvPicPr>
-          <p:nvPr/>
-        </p:nvPicPr>
-        <p:blipFill>
-          <a:blip r:embed="rId6"/>
-          <a:stretch>
-            <a:fillRect/>
-          </a:stretch>
-        </p:blipFill>
-        <p:spPr>
-          <a:xfrm>
-            <a:off x="4042316" y="2094600"/>
-            <a:ext cx="2921816" cy="2452337"/>
-          </a:xfrm>
-          <a:prstGeom prst="rect">
-            <a:avLst/>
-          </a:prstGeom>
-        </p:spPr>
-      </p:pic>
-      <p:pic>
-        <p:nvPicPr>
-          <p:cNvPr id="22" name="Picture 21">
-            <a:extLst>
-              <a:ext uri="{FF2B5EF4-FFF2-40B4-BE49-F238E27FC236}">
-                <a16:creationId xmlns:a16="http://schemas.microsoft.com/office/drawing/2014/main" id="{F9727C19-268C-4EDA-96FA-39DD3324D809}"/>
-              </a:ext>
-            </a:extLst>
-          </p:cNvPr>
-          <p:cNvPicPr>
-            <a:picLocks noChangeAspect="1"/>
-          </p:cNvPicPr>
-          <p:nvPr/>
-        </p:nvPicPr>
-        <p:blipFill>
-          <a:blip r:embed="rId7"/>
-          <a:stretch>
-            <a:fillRect/>
-          </a:stretch>
-        </p:blipFill>
-        <p:spPr>
-          <a:xfrm>
-            <a:off x="4672526" y="5098403"/>
-            <a:ext cx="1905911" cy="1159356"/>
           </a:xfrm>
           <a:prstGeom prst="rect">
             <a:avLst/>
@@ -10276,7 +10423,7 @@
             <p:nvPr/>
           </p:nvPicPr>
           <p:blipFill>
-            <a:blip r:embed="rId8"/>
+            <a:blip r:embed="rId4"/>
             <a:stretch>
               <a:fillRect/>
             </a:stretch>
@@ -10306,7 +10453,7 @@
             <p:nvPr/>
           </p:nvPicPr>
           <p:blipFill>
-            <a:blip r:embed="rId9"/>
+            <a:blip r:embed="rId5"/>
             <a:stretch>
               <a:fillRect/>
             </a:stretch>
@@ -10397,6 +10544,126 @@
           </a:p>
         </p:txBody>
       </p:sp>
+      <p:pic>
+        <p:nvPicPr>
+          <p:cNvPr id="11" name="Picture 10">
+            <a:extLst>
+              <a:ext uri="{FF2B5EF4-FFF2-40B4-BE49-F238E27FC236}">
+                <a16:creationId xmlns:a16="http://schemas.microsoft.com/office/drawing/2014/main" id="{E916A122-5363-4F63-96D8-8FDAC0AFB9B0}"/>
+              </a:ext>
+            </a:extLst>
+          </p:cNvPr>
+          <p:cNvPicPr>
+            <a:picLocks noChangeAspect="1"/>
+          </p:cNvPicPr>
+          <p:nvPr/>
+        </p:nvPicPr>
+        <p:blipFill>
+          <a:blip r:embed="rId6"/>
+          <a:stretch>
+            <a:fillRect/>
+          </a:stretch>
+        </p:blipFill>
+        <p:spPr>
+          <a:xfrm>
+            <a:off x="4201945" y="1962586"/>
+            <a:ext cx="3006871" cy="3127837"/>
+          </a:xfrm>
+          <a:prstGeom prst="rect">
+            <a:avLst/>
+          </a:prstGeom>
+        </p:spPr>
+      </p:pic>
+      <p:pic>
+        <p:nvPicPr>
+          <p:cNvPr id="13" name="Picture 12">
+            <a:extLst>
+              <a:ext uri="{FF2B5EF4-FFF2-40B4-BE49-F238E27FC236}">
+                <a16:creationId xmlns:a16="http://schemas.microsoft.com/office/drawing/2014/main" id="{2C32D037-E8E3-4337-9A01-0D5E82A24CE9}"/>
+              </a:ext>
+            </a:extLst>
+          </p:cNvPr>
+          <p:cNvPicPr>
+            <a:picLocks noChangeAspect="1"/>
+          </p:cNvPicPr>
+          <p:nvPr/>
+        </p:nvPicPr>
+        <p:blipFill>
+          <a:blip r:embed="rId7"/>
+          <a:stretch>
+            <a:fillRect/>
+          </a:stretch>
+        </p:blipFill>
+        <p:spPr>
+          <a:xfrm>
+            <a:off x="4905280" y="5295888"/>
+            <a:ext cx="1600200" cy="609600"/>
+          </a:xfrm>
+          <a:prstGeom prst="rect">
+            <a:avLst/>
+          </a:prstGeom>
+        </p:spPr>
+      </p:pic>
+      <p:pic>
+        <p:nvPicPr>
+          <p:cNvPr id="17" name="Picture 16">
+            <a:extLst>
+              <a:ext uri="{FF2B5EF4-FFF2-40B4-BE49-F238E27FC236}">
+                <a16:creationId xmlns:a16="http://schemas.microsoft.com/office/drawing/2014/main" id="{ACEE239D-AE6A-4C92-912A-5A201BE3752B}"/>
+              </a:ext>
+            </a:extLst>
+          </p:cNvPr>
+          <p:cNvPicPr>
+            <a:picLocks noChangeAspect="1"/>
+          </p:cNvPicPr>
+          <p:nvPr/>
+        </p:nvPicPr>
+        <p:blipFill>
+          <a:blip r:embed="rId8"/>
+          <a:stretch>
+            <a:fillRect/>
+          </a:stretch>
+        </p:blipFill>
+        <p:spPr>
+          <a:xfrm>
+            <a:off x="0" y="2094600"/>
+            <a:ext cx="3631945" cy="2863810"/>
+          </a:xfrm>
+          <a:prstGeom prst="rect">
+            <a:avLst/>
+          </a:prstGeom>
+        </p:spPr>
+      </p:pic>
+      <p:pic>
+        <p:nvPicPr>
+          <p:cNvPr id="21" name="Picture 20">
+            <a:extLst>
+              <a:ext uri="{FF2B5EF4-FFF2-40B4-BE49-F238E27FC236}">
+                <a16:creationId xmlns:a16="http://schemas.microsoft.com/office/drawing/2014/main" id="{77F318D3-7DB9-409D-B15E-F712C17476E6}"/>
+              </a:ext>
+            </a:extLst>
+          </p:cNvPr>
+          <p:cNvPicPr>
+            <a:picLocks noChangeAspect="1"/>
+          </p:cNvPicPr>
+          <p:nvPr/>
+        </p:nvPicPr>
+        <p:blipFill>
+          <a:blip r:embed="rId9"/>
+          <a:stretch>
+            <a:fillRect/>
+          </a:stretch>
+        </p:blipFill>
+        <p:spPr>
+          <a:xfrm>
+            <a:off x="1075767" y="5177312"/>
+            <a:ext cx="2192603" cy="1034538"/>
+          </a:xfrm>
+          <a:prstGeom prst="rect">
+            <a:avLst/>
+          </a:prstGeom>
+        </p:spPr>
+      </p:pic>
     </p:spTree>
     <p:extLst>
       <p:ext uri="{BB962C8B-B14F-4D97-AF65-F5344CB8AC3E}">
@@ -10432,7 +10699,7 @@
           <p:cNvPr id="2" name="Title 1">
             <a:extLst>
               <a:ext uri="{FF2B5EF4-FFF2-40B4-BE49-F238E27FC236}">
-                <a16:creationId xmlns:a16="http://schemas.microsoft.com/office/drawing/2014/main" id="{626AFF95-3434-4B32-B5CA-0272ACDC31AF}"/>
+                <a16:creationId xmlns:a16="http://schemas.microsoft.com/office/drawing/2014/main" id="{1315BB49-419B-41EC-A433-7DFA975C515F}"/>
               </a:ext>
             </a:extLst>
           </p:cNvPr>
@@ -10445,7 +10712,7 @@
         </p:nvSpPr>
         <p:spPr>
           <a:xfrm>
-            <a:off x="594519" y="164110"/>
+            <a:off x="594519" y="290271"/>
             <a:ext cx="11002962" cy="823913"/>
           </a:xfrm>
         </p:spPr>
@@ -10455,7 +10722,7 @@
           <a:p>
             <a:r>
               <a:rPr lang="en-US" dirty="0"/>
-              <a:t>Conforming Loan Limits</a:t>
+              <a:t>Gender Distribution</a:t>
             </a:r>
           </a:p>
         </p:txBody>
@@ -10465,7 +10732,7 @@
           <p:cNvPr id="3" name="Slide Number Placeholder 2">
             <a:extLst>
               <a:ext uri="{FF2B5EF4-FFF2-40B4-BE49-F238E27FC236}">
-                <a16:creationId xmlns:a16="http://schemas.microsoft.com/office/drawing/2014/main" id="{589CDBF1-55D7-48C9-971F-DCA0BA63D632}"/>
+                <a16:creationId xmlns:a16="http://schemas.microsoft.com/office/drawing/2014/main" id="{D0D8E92D-2FE7-4E3A-B797-0EC0A97EC2C7}"/>
               </a:ext>
             </a:extLst>
           </p:cNvPr>
@@ -10489,84 +10756,12 @@
           </a:p>
         </p:txBody>
       </p:sp>
-      <p:sp>
-        <p:nvSpPr>
-          <p:cNvPr id="5" name="Rectangle 4">
-            <a:extLst>
-              <a:ext uri="{FF2B5EF4-FFF2-40B4-BE49-F238E27FC236}">
-                <a16:creationId xmlns:a16="http://schemas.microsoft.com/office/drawing/2014/main" id="{3617D09D-2FCF-4242-B31A-5B4E7D8906FD}"/>
-              </a:ext>
-              <a:ext uri="{C183D7F6-B498-43B3-948B-1728B52AA6E4}">
-                <adec:decorative xmlns:adec="http://schemas.microsoft.com/office/drawing/2017/decorative" val="1"/>
-              </a:ext>
-            </a:extLst>
-          </p:cNvPr>
-          <p:cNvSpPr/>
-          <p:nvPr/>
-        </p:nvSpPr>
-        <p:spPr>
-          <a:xfrm>
-            <a:off x="399027" y="928481"/>
-            <a:ext cx="11002961" cy="318175"/>
-          </a:xfrm>
-          <a:prstGeom prst="rect">
-            <a:avLst/>
-          </a:prstGeom>
-          <a:gradFill flip="none" rotWithShape="1">
-            <a:gsLst>
-              <a:gs pos="0">
-                <a:schemeClr val="accent5"/>
-              </a:gs>
-              <a:gs pos="100000">
-                <a:schemeClr val="accent2">
-                  <a:lumMod val="97000"/>
-                  <a:lumOff val="3000"/>
-                </a:schemeClr>
-              </a:gs>
-              <a:gs pos="50000">
-                <a:schemeClr val="accent1"/>
-              </a:gs>
-            </a:gsLst>
-            <a:path path="circle">
-              <a:fillToRect l="100000" t="100000"/>
-            </a:path>
-            <a:tileRect r="-100000" b="-100000"/>
-          </a:gradFill>
-          <a:ln>
-            <a:noFill/>
-          </a:ln>
-        </p:spPr>
-        <p:style>
-          <a:lnRef idx="2">
-            <a:schemeClr val="accent1">
-              <a:shade val="50000"/>
-            </a:schemeClr>
-          </a:lnRef>
-          <a:fillRef idx="1">
-            <a:schemeClr val="accent1"/>
-          </a:fillRef>
-          <a:effectRef idx="0">
-            <a:schemeClr val="accent1"/>
-          </a:effectRef>
-          <a:fontRef idx="minor">
-            <a:schemeClr val="lt1"/>
-          </a:fontRef>
-        </p:style>
-        <p:txBody>
-          <a:bodyPr rtlCol="0" anchor="ctr"/>
-          <a:lstStyle/>
-          <a:p>
-            <a:pPr algn="ctr"/>
-            <a:endParaRPr lang="en-US" dirty="0"/>
-          </a:p>
-        </p:txBody>
-      </p:sp>
       <p:pic>
         <p:nvPicPr>
-          <p:cNvPr id="7" name="Picture 6">
-            <a:extLst>
-              <a:ext uri="{FF2B5EF4-FFF2-40B4-BE49-F238E27FC236}">
-                <a16:creationId xmlns:a16="http://schemas.microsoft.com/office/drawing/2014/main" id="{1E9F4FFA-1152-4425-BF7E-12FCB54AD413}"/>
+          <p:cNvPr id="5" name="Picture 4">
+            <a:extLst>
+              <a:ext uri="{FF2B5EF4-FFF2-40B4-BE49-F238E27FC236}">
+                <a16:creationId xmlns:a16="http://schemas.microsoft.com/office/drawing/2014/main" id="{6AB65993-CCCA-4415-962D-D8E21FA0AD0B}"/>
               </a:ext>
             </a:extLst>
           </p:cNvPr>
@@ -10583,84 +10778,18 @@
         </p:blipFill>
         <p:spPr>
           <a:xfrm>
-            <a:off x="399027" y="1374624"/>
-            <a:ext cx="5810499" cy="3085936"/>
+            <a:off x="1134150" y="1293901"/>
+            <a:ext cx="9923700" cy="4270198"/>
           </a:xfrm>
           <a:prstGeom prst="rect">
             <a:avLst/>
           </a:prstGeom>
         </p:spPr>
       </p:pic>
-      <p:pic>
-        <p:nvPicPr>
-          <p:cNvPr id="9" name="Picture 8">
-            <a:extLst>
-              <a:ext uri="{FF2B5EF4-FFF2-40B4-BE49-F238E27FC236}">
-                <a16:creationId xmlns:a16="http://schemas.microsoft.com/office/drawing/2014/main" id="{66DC0957-0659-431F-81CF-D8A1869D6A9F}"/>
-              </a:ext>
-            </a:extLst>
-          </p:cNvPr>
-          <p:cNvPicPr>
-            <a:picLocks noChangeAspect="1"/>
-          </p:cNvPicPr>
-          <p:nvPr/>
-        </p:nvPicPr>
-        <p:blipFill>
-          <a:blip r:embed="rId3"/>
-          <a:stretch>
-            <a:fillRect/>
-          </a:stretch>
-        </p:blipFill>
-        <p:spPr>
-          <a:xfrm>
-            <a:off x="5663833" y="2692096"/>
-            <a:ext cx="6107410" cy="3237423"/>
-          </a:xfrm>
-          <a:prstGeom prst="rect">
-            <a:avLst/>
-          </a:prstGeom>
-        </p:spPr>
-      </p:pic>
-      <p:sp>
-        <p:nvSpPr>
-          <p:cNvPr id="10" name="TextBox 9">
-            <a:extLst>
-              <a:ext uri="{FF2B5EF4-FFF2-40B4-BE49-F238E27FC236}">
-                <a16:creationId xmlns:a16="http://schemas.microsoft.com/office/drawing/2014/main" id="{E1A9BE5C-BD73-43B7-BBE7-C44B4C3B6FBB}"/>
-              </a:ext>
-            </a:extLst>
-          </p:cNvPr>
-          <p:cNvSpPr txBox="1"/>
-          <p:nvPr/>
-        </p:nvSpPr>
-        <p:spPr>
-          <a:xfrm>
-            <a:off x="297427" y="4805672"/>
-            <a:ext cx="5046733" cy="584775"/>
-          </a:xfrm>
-          <a:prstGeom prst="rect">
-            <a:avLst/>
-          </a:prstGeom>
-          <a:noFill/>
-        </p:spPr>
-        <p:txBody>
-          <a:bodyPr wrap="square" rtlCol="0">
-            <a:spAutoFit/>
-          </a:bodyPr>
-          <a:lstStyle/>
-          <a:p>
-            <a:pPr algn="ctr"/>
-            <a:r>
-              <a:rPr lang="en-US" sz="1600" dirty="0"/>
-              <a:t>*-A non-conforming loan is a loan that fails to meet a bank’s criteria for funding. </a:t>
-            </a:r>
-          </a:p>
-        </p:txBody>
-      </p:sp>
     </p:spTree>
     <p:extLst>
       <p:ext uri="{BB962C8B-B14F-4D97-AF65-F5344CB8AC3E}">
-        <p14:creationId xmlns:p14="http://schemas.microsoft.com/office/powerpoint/2010/main" val="464171733"/>
+        <p14:creationId xmlns:p14="http://schemas.microsoft.com/office/powerpoint/2010/main" val="2510100430"/>
       </p:ext>
     </p:extLst>
   </p:cSld>
@@ -11565,15 +11694,6 @@
 </file>
 
 <file path=customXml/item2.xml><?xml version="1.0" encoding="utf-8"?>
-<p:properties xmlns:p="http://schemas.microsoft.com/office/2006/metadata/properties" xmlns:xsi="http://www.w3.org/2001/XMLSchema-instance" xmlns:pc="http://schemas.microsoft.com/office/infopath/2007/PartnerControls">
-  <documentManagement>
-    <Status xmlns="71af3243-3dd4-4a8d-8c0d-dd76da1f02a5">Not started</Status>
-    <MediaServiceKeyPoints xmlns="71af3243-3dd4-4a8d-8c0d-dd76da1f02a5" xsi:nil="true"/>
-  </documentManagement>
-</p:properties>
-</file>
-
-<file path=customXml/item3.xml><?xml version="1.0" encoding="utf-8"?>
 <ct:contentTypeSchema xmlns:ct="http://schemas.microsoft.com/office/2006/metadata/contentType" xmlns:ma="http://schemas.microsoft.com/office/2006/metadata/properties/metaAttributes" ct:_="" ma:_="" ma:contentTypeName="Document" ma:contentTypeID="0x01010079F111ED35F8CC479449609E8A0923A6" ma:contentTypeVersion="12" ma:contentTypeDescription="Create a new document." ma:contentTypeScope="" ma:versionID="426e97fa315356fffbdcd9876fe988c2">
   <xsd:schema xmlns:xsd="http://www.w3.org/2001/XMLSchema" xmlns:xs="http://www.w3.org/2001/XMLSchema" xmlns:p="http://schemas.microsoft.com/office/2006/metadata/properties" xmlns:ns2="71af3243-3dd4-4a8d-8c0d-dd76da1f02a5" xmlns:ns3="16c05727-aa75-4e4a-9b5f-8a80a1165891" targetNamespace="http://schemas.microsoft.com/office/2006/metadata/properties" ma:root="true" ma:fieldsID="14b8f0def80e6d70ce3def20c90759ae" ns2:_="" ns3:_="">
     <xsd:import namespace="71af3243-3dd4-4a8d-8c0d-dd76da1f02a5"/>
@@ -11794,6 +11914,15 @@
 </ct:contentTypeSchema>
 </file>
 
+<file path=customXml/item3.xml><?xml version="1.0" encoding="utf-8"?>
+<p:properties xmlns:p="http://schemas.microsoft.com/office/2006/metadata/properties" xmlns:xsi="http://www.w3.org/2001/XMLSchema-instance" xmlns:pc="http://schemas.microsoft.com/office/infopath/2007/PartnerControls">
+  <documentManagement>
+    <Status xmlns="71af3243-3dd4-4a8d-8c0d-dd76da1f02a5">Not started</Status>
+    <MediaServiceKeyPoints xmlns="71af3243-3dd4-4a8d-8c0d-dd76da1f02a5" xsi:nil="true"/>
+  </documentManagement>
+</p:properties>
+</file>
+
 <file path=customXml/itemProps1.xml><?xml version="1.0" encoding="utf-8"?>
 <ds:datastoreItem xmlns:ds="http://schemas.openxmlformats.org/officeDocument/2006/customXml" ds:itemID="{1B7E2D32-4FDD-4266-880C-17595B801432}">
   <ds:schemaRefs>
@@ -11803,16 +11932,6 @@
 </file>
 
 <file path=customXml/itemProps2.xml><?xml version="1.0" encoding="utf-8"?>
-<ds:datastoreItem xmlns:ds="http://schemas.openxmlformats.org/officeDocument/2006/customXml" ds:itemID="{E3D9F223-918A-45AF-9B53-56AB9E5E2182}">
-  <ds:schemaRefs>
-    <ds:schemaRef ds:uri="http://schemas.microsoft.com/office/2006/metadata/properties"/>
-    <ds:schemaRef ds:uri="http://schemas.microsoft.com/office/infopath/2007/PartnerControls"/>
-    <ds:schemaRef ds:uri="71af3243-3dd4-4a8d-8c0d-dd76da1f02a5"/>
-  </ds:schemaRefs>
-</ds:datastoreItem>
-</file>
-
-<file path=customXml/itemProps3.xml><?xml version="1.0" encoding="utf-8"?>
 <ds:datastoreItem xmlns:ds="http://schemas.openxmlformats.org/officeDocument/2006/customXml" ds:itemID="{55BB9993-D5F9-46FA-B2E5-80E3632E9820}">
   <ds:schemaRefs>
     <ds:schemaRef ds:uri="http://schemas.microsoft.com/office/2006/metadata/contentType"/>
@@ -11829,4 +11948,14 @@
     <ds:schemaRef ds:uri="http://schemas.microsoft.com/internal/obd"/>
   </ds:schemaRefs>
 </ds:datastoreItem>
+</file>
+
+<file path=customXml/itemProps3.xml><?xml version="1.0" encoding="utf-8"?>
+<ds:datastoreItem xmlns:ds="http://schemas.openxmlformats.org/officeDocument/2006/customXml" ds:itemID="{E3D9F223-918A-45AF-9B53-56AB9E5E2182}">
+  <ds:schemaRefs>
+    <ds:schemaRef ds:uri="http://schemas.microsoft.com/office/2006/metadata/properties"/>
+    <ds:schemaRef ds:uri="http://schemas.microsoft.com/office/infopath/2007/PartnerControls"/>
+    <ds:schemaRef ds:uri="71af3243-3dd4-4a8d-8c0d-dd76da1f02a5"/>
+  </ds:schemaRefs>
+</ds:datastoreItem>
 </file>
--- a/Powerpoint.pptx
+++ b/Powerpoint.pptx
@@ -421,7 +421,7 @@
           <a:p>
             <a:fld id="{F5A8621B-8C8E-49BA-8772-41D0FE75A082}" type="datetimeFigureOut">
               <a:rPr lang="en-US" smtClean="0"/>
-              <a:t>10/3/2020</a:t>
+              <a:t>10/4/2020</a:t>
             </a:fld>
             <a:endParaRPr lang="en-US" dirty="0"/>
           </a:p>
@@ -6184,8 +6184,8 @@
         </p:nvSpPr>
         <p:spPr>
           <a:xfrm>
-            <a:off x="593725" y="2417615"/>
-            <a:ext cx="11002961" cy="557784"/>
+            <a:off x="546307" y="1158664"/>
+            <a:ext cx="11002961" cy="365125"/>
           </a:xfrm>
           <a:prstGeom prst="rect">
             <a:avLst/>
@@ -6255,7 +6255,12 @@
             <p:ph type="title"/>
           </p:nvPr>
         </p:nvSpPr>
-        <p:spPr/>
+        <p:spPr>
+          <a:xfrm>
+            <a:off x="546307" y="334751"/>
+            <a:ext cx="11002962" cy="823913"/>
+          </a:xfrm>
+        </p:spPr>
         <p:txBody>
           <a:bodyPr>
             <a:normAutofit/>
@@ -6264,1436 +6269,12 @@
           <a:p>
             <a:r>
               <a:rPr lang="en-US" sz="4800" spc="300" dirty="0"/>
-              <a:t>quarterly</a:t>
-            </a:r>
-            <a:r>
-              <a:rPr lang="en-US" sz="4800" dirty="0"/>
-              <a:t> timeline</a:t>
-            </a:r>
-          </a:p>
-        </p:txBody>
-      </p:sp>
-      <p:graphicFrame>
-        <p:nvGraphicFramePr>
-          <p:cNvPr id="7" name="Table 7">
-            <a:extLst>
-              <a:ext uri="{FF2B5EF4-FFF2-40B4-BE49-F238E27FC236}">
-                <a16:creationId xmlns:a16="http://schemas.microsoft.com/office/drawing/2014/main" id="{B1897641-C811-4117-B9B9-5EE41B5A3203}"/>
-              </a:ext>
-            </a:extLst>
-          </p:cNvPr>
-          <p:cNvGraphicFramePr>
-            <a:graphicFrameLocks noGrp="1"/>
-          </p:cNvGraphicFramePr>
-          <p:nvPr>
-            <p:extLst>
-              <p:ext uri="{D42A27DB-BD31-4B8C-83A1-F6EECF244321}">
-                <p14:modId xmlns:p14="http://schemas.microsoft.com/office/powerpoint/2010/main" val="946177953"/>
-              </p:ext>
-            </p:extLst>
-          </p:nvPr>
-        </p:nvGraphicFramePr>
-        <p:xfrm>
-          <a:off x="681249" y="2400407"/>
-          <a:ext cx="10827912" cy="2871216"/>
-        </p:xfrm>
-        <a:graphic>
-          <a:graphicData uri="http://schemas.openxmlformats.org/drawingml/2006/table">
-            <a:tbl>
-              <a:tblPr firstRow="1" bandRow="1">
-                <a:tableStyleId>{5C22544A-7EE6-4342-B048-85BDC9FD1C3A}</a:tableStyleId>
-              </a:tblPr>
-              <a:tblGrid>
-                <a:gridCol w="902326">
-                  <a:extLst>
-                    <a:ext uri="{9D8B030D-6E8A-4147-A177-3AD203B41FA5}">
-                      <a16:colId xmlns:a16="http://schemas.microsoft.com/office/drawing/2014/main" val="711439747"/>
-                    </a:ext>
-                  </a:extLst>
-                </a:gridCol>
-                <a:gridCol w="902326">
-                  <a:extLst>
-                    <a:ext uri="{9D8B030D-6E8A-4147-A177-3AD203B41FA5}">
-                      <a16:colId xmlns:a16="http://schemas.microsoft.com/office/drawing/2014/main" val="3789717619"/>
-                    </a:ext>
-                  </a:extLst>
-                </a:gridCol>
-                <a:gridCol w="902326">
-                  <a:extLst>
-                    <a:ext uri="{9D8B030D-6E8A-4147-A177-3AD203B41FA5}">
-                      <a16:colId xmlns:a16="http://schemas.microsoft.com/office/drawing/2014/main" val="2607839798"/>
-                    </a:ext>
-                  </a:extLst>
-                </a:gridCol>
-                <a:gridCol w="902326">
-                  <a:extLst>
-                    <a:ext uri="{9D8B030D-6E8A-4147-A177-3AD203B41FA5}">
-                      <a16:colId xmlns:a16="http://schemas.microsoft.com/office/drawing/2014/main" val="1769144258"/>
-                    </a:ext>
-                  </a:extLst>
-                </a:gridCol>
-                <a:gridCol w="902326">
-                  <a:extLst>
-                    <a:ext uri="{9D8B030D-6E8A-4147-A177-3AD203B41FA5}">
-                      <a16:colId xmlns:a16="http://schemas.microsoft.com/office/drawing/2014/main" val="1537907298"/>
-                    </a:ext>
-                  </a:extLst>
-                </a:gridCol>
-                <a:gridCol w="902326">
-                  <a:extLst>
-                    <a:ext uri="{9D8B030D-6E8A-4147-A177-3AD203B41FA5}">
-                      <a16:colId xmlns:a16="http://schemas.microsoft.com/office/drawing/2014/main" val="1920672763"/>
-                    </a:ext>
-                  </a:extLst>
-                </a:gridCol>
-                <a:gridCol w="902326">
-                  <a:extLst>
-                    <a:ext uri="{9D8B030D-6E8A-4147-A177-3AD203B41FA5}">
-                      <a16:colId xmlns:a16="http://schemas.microsoft.com/office/drawing/2014/main" val="1217148694"/>
-                    </a:ext>
-                  </a:extLst>
-                </a:gridCol>
-                <a:gridCol w="902326">
-                  <a:extLst>
-                    <a:ext uri="{9D8B030D-6E8A-4147-A177-3AD203B41FA5}">
-                      <a16:colId xmlns:a16="http://schemas.microsoft.com/office/drawing/2014/main" val="247395267"/>
-                    </a:ext>
-                  </a:extLst>
-                </a:gridCol>
-                <a:gridCol w="902326">
-                  <a:extLst>
-                    <a:ext uri="{9D8B030D-6E8A-4147-A177-3AD203B41FA5}">
-                      <a16:colId xmlns:a16="http://schemas.microsoft.com/office/drawing/2014/main" val="1231269635"/>
-                    </a:ext>
-                  </a:extLst>
-                </a:gridCol>
-                <a:gridCol w="902326">
-                  <a:extLst>
-                    <a:ext uri="{9D8B030D-6E8A-4147-A177-3AD203B41FA5}">
-                      <a16:colId xmlns:a16="http://schemas.microsoft.com/office/drawing/2014/main" val="3587985154"/>
-                    </a:ext>
-                  </a:extLst>
-                </a:gridCol>
-                <a:gridCol w="902326">
-                  <a:extLst>
-                    <a:ext uri="{9D8B030D-6E8A-4147-A177-3AD203B41FA5}">
-                      <a16:colId xmlns:a16="http://schemas.microsoft.com/office/drawing/2014/main" val="3023193756"/>
-                    </a:ext>
-                  </a:extLst>
-                </a:gridCol>
-                <a:gridCol w="902326">
-                  <a:extLst>
-                    <a:ext uri="{9D8B030D-6E8A-4147-A177-3AD203B41FA5}">
-                      <a16:colId xmlns:a16="http://schemas.microsoft.com/office/drawing/2014/main" val="1420336204"/>
-                    </a:ext>
-                  </a:extLst>
-                </a:gridCol>
-              </a:tblGrid>
-              <a:tr h="585216">
-                <a:tc gridSpan="3">
-                  <a:txBody>
-                    <a:bodyPr/>
-                    <a:lstStyle/>
-                    <a:p>
-                      <a:pPr algn="ctr"/>
-                      <a:r>
-                        <a:rPr lang="en-US" dirty="0"/>
-                        <a:t>Q1</a:t>
-                      </a:r>
-                    </a:p>
-                  </a:txBody>
-                  <a:tcPr anchor="ctr">
-                    <a:lnL w="12700" cmpd="sng">
-                      <a:noFill/>
-                    </a:lnL>
-                    <a:lnR w="12700" cmpd="sng">
-                      <a:noFill/>
-                    </a:lnR>
-                    <a:lnT w="12700" cmpd="sng">
-                      <a:noFill/>
-                    </a:lnT>
-                    <a:lnB w="38100" cmpd="sng">
-                      <a:noFill/>
-                    </a:lnB>
-                    <a:lnTlToBr w="12700" cmpd="sng">
-                      <a:noFill/>
-                      <a:prstDash val="solid"/>
-                    </a:lnTlToBr>
-                    <a:lnBlToTr w="12700" cmpd="sng">
-                      <a:noFill/>
-                      <a:prstDash val="solid"/>
-                    </a:lnBlToTr>
-                    <a:noFill/>
-                  </a:tcPr>
-                </a:tc>
-                <a:tc hMerge="1">
-                  <a:txBody>
-                    <a:bodyPr/>
-                    <a:lstStyle/>
-                    <a:p>
-                      <a:endParaRPr lang="en-US" dirty="0"/>
-                    </a:p>
-                  </a:txBody>
-                  <a:tcPr/>
-                </a:tc>
-                <a:tc hMerge="1">
-                  <a:txBody>
-                    <a:bodyPr/>
-                    <a:lstStyle/>
-                    <a:p>
-                      <a:endParaRPr lang="en-US" dirty="0"/>
-                    </a:p>
-                  </a:txBody>
-                  <a:tcPr/>
-                </a:tc>
-                <a:tc gridSpan="3">
-                  <a:txBody>
-                    <a:bodyPr/>
-                    <a:lstStyle/>
-                    <a:p>
-                      <a:pPr algn="ctr"/>
-                      <a:r>
-                        <a:rPr lang="en-US" dirty="0"/>
-                        <a:t>Q2</a:t>
-                      </a:r>
-                    </a:p>
-                  </a:txBody>
-                  <a:tcPr anchor="ctr">
-                    <a:lnL w="12700" cmpd="sng">
-                      <a:noFill/>
-                    </a:lnL>
-                    <a:lnR w="12700" cmpd="sng">
-                      <a:noFill/>
-                    </a:lnR>
-                    <a:lnT w="12700" cmpd="sng">
-                      <a:noFill/>
-                    </a:lnT>
-                    <a:lnB w="38100" cmpd="sng">
-                      <a:noFill/>
-                    </a:lnB>
-                    <a:lnTlToBr w="12700" cmpd="sng">
-                      <a:noFill/>
-                      <a:prstDash val="solid"/>
-                    </a:lnTlToBr>
-                    <a:lnBlToTr w="12700" cmpd="sng">
-                      <a:noFill/>
-                      <a:prstDash val="solid"/>
-                    </a:lnBlToTr>
-                    <a:noFill/>
-                  </a:tcPr>
-                </a:tc>
-                <a:tc hMerge="1">
-                  <a:txBody>
-                    <a:bodyPr/>
-                    <a:lstStyle/>
-                    <a:p>
-                      <a:endParaRPr lang="en-US" dirty="0"/>
-                    </a:p>
-                  </a:txBody>
-                  <a:tcPr/>
-                </a:tc>
-                <a:tc hMerge="1">
-                  <a:txBody>
-                    <a:bodyPr/>
-                    <a:lstStyle/>
-                    <a:p>
-                      <a:endParaRPr lang="en-US" dirty="0"/>
-                    </a:p>
-                  </a:txBody>
-                  <a:tcPr/>
-                </a:tc>
-                <a:tc gridSpan="3">
-                  <a:txBody>
-                    <a:bodyPr/>
-                    <a:lstStyle/>
-                    <a:p>
-                      <a:pPr algn="ctr"/>
-                      <a:r>
-                        <a:rPr lang="en-US" dirty="0"/>
-                        <a:t>Q3</a:t>
-                      </a:r>
-                    </a:p>
-                  </a:txBody>
-                  <a:tcPr anchor="ctr">
-                    <a:lnL w="12700" cmpd="sng">
-                      <a:noFill/>
-                    </a:lnL>
-                    <a:lnR w="12700" cmpd="sng">
-                      <a:noFill/>
-                    </a:lnR>
-                    <a:lnT w="12700" cmpd="sng">
-                      <a:noFill/>
-                    </a:lnT>
-                    <a:lnB w="38100" cmpd="sng">
-                      <a:noFill/>
-                    </a:lnB>
-                    <a:lnTlToBr w="12700" cmpd="sng">
-                      <a:noFill/>
-                      <a:prstDash val="solid"/>
-                    </a:lnTlToBr>
-                    <a:lnBlToTr w="12700" cmpd="sng">
-                      <a:noFill/>
-                      <a:prstDash val="solid"/>
-                    </a:lnBlToTr>
-                    <a:noFill/>
-                  </a:tcPr>
-                </a:tc>
-                <a:tc hMerge="1">
-                  <a:txBody>
-                    <a:bodyPr/>
-                    <a:lstStyle/>
-                    <a:p>
-                      <a:endParaRPr lang="en-US" dirty="0"/>
-                    </a:p>
-                  </a:txBody>
-                  <a:tcPr/>
-                </a:tc>
-                <a:tc hMerge="1">
-                  <a:txBody>
-                    <a:bodyPr/>
-                    <a:lstStyle/>
-                    <a:p>
-                      <a:endParaRPr lang="en-US" dirty="0"/>
-                    </a:p>
-                  </a:txBody>
-                  <a:tcPr/>
-                </a:tc>
-                <a:tc gridSpan="3">
-                  <a:txBody>
-                    <a:bodyPr/>
-                    <a:lstStyle/>
-                    <a:p>
-                      <a:pPr algn="ctr"/>
-                      <a:r>
-                        <a:rPr lang="en-US" dirty="0"/>
-                        <a:t>Q4</a:t>
-                      </a:r>
-                    </a:p>
-                  </a:txBody>
-                  <a:tcPr anchor="ctr">
-                    <a:lnL w="12700" cmpd="sng">
-                      <a:noFill/>
-                    </a:lnL>
-                    <a:lnR w="12700" cmpd="sng">
-                      <a:noFill/>
-                    </a:lnR>
-                    <a:lnT w="12700" cmpd="sng">
-                      <a:noFill/>
-                    </a:lnT>
-                    <a:lnB w="38100" cmpd="sng">
-                      <a:noFill/>
-                    </a:lnB>
-                    <a:lnTlToBr w="12700" cmpd="sng">
-                      <a:noFill/>
-                      <a:prstDash val="solid"/>
-                    </a:lnTlToBr>
-                    <a:lnBlToTr w="12700" cmpd="sng">
-                      <a:noFill/>
-                      <a:prstDash val="solid"/>
-                    </a:lnBlToTr>
-                    <a:noFill/>
-                  </a:tcPr>
-                </a:tc>
-                <a:tc hMerge="1">
-                  <a:txBody>
-                    <a:bodyPr/>
-                    <a:lstStyle/>
-                    <a:p>
-                      <a:endParaRPr lang="en-US" dirty="0"/>
-                    </a:p>
-                  </a:txBody>
-                  <a:tcPr/>
-                </a:tc>
-                <a:tc hMerge="1">
-                  <a:txBody>
-                    <a:bodyPr/>
-                    <a:lstStyle/>
-                    <a:p>
-                      <a:endParaRPr lang="en-US" dirty="0"/>
-                    </a:p>
-                  </a:txBody>
-                  <a:tcPr/>
-                </a:tc>
-                <a:extLst>
-                  <a:ext uri="{0D108BD9-81ED-4DB2-BD59-A6C34878D82A}">
-                    <a16:rowId xmlns:a16="http://schemas.microsoft.com/office/drawing/2014/main" val="3925291448"/>
-                  </a:ext>
-                </a:extLst>
-              </a:tr>
-              <a:tr h="640080">
-                <a:tc>
-                  <a:txBody>
-                    <a:bodyPr/>
-                    <a:lstStyle/>
-                    <a:p>
-                      <a:pPr algn="ctr"/>
-                      <a:r>
-                        <a:rPr lang="en-US" sz="1800" spc="300" dirty="0">
-                          <a:solidFill>
-                            <a:schemeClr val="tx1"/>
-                          </a:solidFill>
-                        </a:rPr>
-                        <a:t>JUL</a:t>
-                      </a:r>
-                    </a:p>
-                  </a:txBody>
-                  <a:tcPr anchor="ctr">
-                    <a:lnL w="12700" cmpd="sng">
-                      <a:noFill/>
-                    </a:lnL>
-                    <a:lnR w="12700" cmpd="sng">
-                      <a:noFill/>
-                    </a:lnR>
-                    <a:lnT w="38100" cmpd="sng">
-                      <a:noFill/>
-                    </a:lnT>
-                    <a:lnB w="3175" cap="flat" cmpd="sng" algn="ctr">
-                      <a:solidFill>
-                        <a:schemeClr val="bg2">
-                          <a:lumMod val="50000"/>
-                        </a:schemeClr>
-                      </a:solidFill>
-                      <a:prstDash val="solid"/>
-                      <a:round/>
-                      <a:headEnd type="none" w="med" len="med"/>
-                      <a:tailEnd type="none" w="med" len="med"/>
-                    </a:lnB>
-                    <a:lnTlToBr w="12700" cmpd="sng">
-                      <a:noFill/>
-                      <a:prstDash val="solid"/>
-                    </a:lnTlToBr>
-                    <a:lnBlToTr w="12700" cmpd="sng">
-                      <a:noFill/>
-                      <a:prstDash val="solid"/>
-                    </a:lnBlToTr>
-                    <a:noFill/>
-                  </a:tcPr>
-                </a:tc>
-                <a:tc>
-                  <a:txBody>
-                    <a:bodyPr/>
-                    <a:lstStyle/>
-                    <a:p>
-                      <a:pPr algn="ctr"/>
-                      <a:r>
-                        <a:rPr lang="en-US" sz="1800" spc="300" dirty="0">
-                          <a:solidFill>
-                            <a:schemeClr val="tx1"/>
-                          </a:solidFill>
-                        </a:rPr>
-                        <a:t>AUG</a:t>
-                      </a:r>
-                    </a:p>
-                  </a:txBody>
-                  <a:tcPr anchor="ctr">
-                    <a:lnL w="12700" cmpd="sng">
-                      <a:noFill/>
-                    </a:lnL>
-                    <a:lnR w="12700" cmpd="sng">
-                      <a:noFill/>
-                    </a:lnR>
-                    <a:lnT w="38100" cmpd="sng">
-                      <a:noFill/>
-                    </a:lnT>
-                    <a:lnB w="3175" cap="flat" cmpd="sng" algn="ctr">
-                      <a:solidFill>
-                        <a:schemeClr val="bg2">
-                          <a:lumMod val="50000"/>
-                        </a:schemeClr>
-                      </a:solidFill>
-                      <a:prstDash val="solid"/>
-                      <a:round/>
-                      <a:headEnd type="none" w="med" len="med"/>
-                      <a:tailEnd type="none" w="med" len="med"/>
-                    </a:lnB>
-                    <a:lnTlToBr w="12700" cmpd="sng">
-                      <a:noFill/>
-                      <a:prstDash val="solid"/>
-                    </a:lnTlToBr>
-                    <a:lnBlToTr w="12700" cmpd="sng">
-                      <a:noFill/>
-                      <a:prstDash val="solid"/>
-                    </a:lnBlToTr>
-                    <a:noFill/>
-                  </a:tcPr>
-                </a:tc>
-                <a:tc>
-                  <a:txBody>
-                    <a:bodyPr/>
-                    <a:lstStyle/>
-                    <a:p>
-                      <a:pPr algn="ctr"/>
-                      <a:r>
-                        <a:rPr lang="en-US" sz="1800" spc="300" dirty="0">
-                          <a:solidFill>
-                            <a:schemeClr val="tx1"/>
-                          </a:solidFill>
-                        </a:rPr>
-                        <a:t>SEP</a:t>
-                      </a:r>
-                    </a:p>
-                  </a:txBody>
-                  <a:tcPr anchor="ctr">
-                    <a:lnL w="12700" cmpd="sng">
-                      <a:noFill/>
-                    </a:lnL>
-                    <a:lnR w="3175" cap="flat" cmpd="sng" algn="ctr">
-                      <a:solidFill>
-                        <a:schemeClr val="bg2">
-                          <a:lumMod val="50000"/>
-                        </a:schemeClr>
-                      </a:solidFill>
-                      <a:prstDash val="solid"/>
-                      <a:round/>
-                      <a:headEnd type="none" w="med" len="med"/>
-                      <a:tailEnd type="none" w="med" len="med"/>
-                    </a:lnR>
-                    <a:lnT w="38100" cmpd="sng">
-                      <a:noFill/>
-                    </a:lnT>
-                    <a:lnB w="3175" cap="flat" cmpd="sng" algn="ctr">
-                      <a:solidFill>
-                        <a:schemeClr val="bg2">
-                          <a:lumMod val="50000"/>
-                        </a:schemeClr>
-                      </a:solidFill>
-                      <a:prstDash val="solid"/>
-                      <a:round/>
-                      <a:headEnd type="none" w="med" len="med"/>
-                      <a:tailEnd type="none" w="med" len="med"/>
-                    </a:lnB>
-                    <a:lnTlToBr w="12700" cmpd="sng">
-                      <a:noFill/>
-                      <a:prstDash val="solid"/>
-                    </a:lnTlToBr>
-                    <a:lnBlToTr w="12700" cmpd="sng">
-                      <a:noFill/>
-                      <a:prstDash val="solid"/>
-                    </a:lnBlToTr>
-                    <a:noFill/>
-                  </a:tcPr>
-                </a:tc>
-                <a:tc>
-                  <a:txBody>
-                    <a:bodyPr/>
-                    <a:lstStyle/>
-                    <a:p>
-                      <a:pPr algn="ctr"/>
-                      <a:r>
-                        <a:rPr lang="en-US" sz="1800" spc="300" dirty="0">
-                          <a:solidFill>
-                            <a:schemeClr val="tx1"/>
-                          </a:solidFill>
-                        </a:rPr>
-                        <a:t>OCT</a:t>
-                      </a:r>
-                    </a:p>
-                  </a:txBody>
-                  <a:tcPr anchor="ctr">
-                    <a:lnL w="3175" cap="flat" cmpd="sng" algn="ctr">
-                      <a:solidFill>
-                        <a:schemeClr val="bg2">
-                          <a:lumMod val="50000"/>
-                        </a:schemeClr>
-                      </a:solidFill>
-                      <a:prstDash val="solid"/>
-                      <a:round/>
-                      <a:headEnd type="none" w="med" len="med"/>
-                      <a:tailEnd type="none" w="med" len="med"/>
-                    </a:lnL>
-                    <a:lnR w="12700" cmpd="sng">
-                      <a:noFill/>
-                    </a:lnR>
-                    <a:lnT w="38100" cmpd="sng">
-                      <a:noFill/>
-                    </a:lnT>
-                    <a:lnB w="3175" cap="flat" cmpd="sng" algn="ctr">
-                      <a:solidFill>
-                        <a:schemeClr val="bg2">
-                          <a:lumMod val="50000"/>
-                        </a:schemeClr>
-                      </a:solidFill>
-                      <a:prstDash val="solid"/>
-                      <a:round/>
-                      <a:headEnd type="none" w="med" len="med"/>
-                      <a:tailEnd type="none" w="med" len="med"/>
-                    </a:lnB>
-                    <a:lnTlToBr w="12700" cmpd="sng">
-                      <a:noFill/>
-                      <a:prstDash val="solid"/>
-                    </a:lnTlToBr>
-                    <a:lnBlToTr w="12700" cmpd="sng">
-                      <a:noFill/>
-                      <a:prstDash val="solid"/>
-                    </a:lnBlToTr>
-                    <a:noFill/>
-                  </a:tcPr>
-                </a:tc>
-                <a:tc>
-                  <a:txBody>
-                    <a:bodyPr/>
-                    <a:lstStyle/>
-                    <a:p>
-                      <a:pPr algn="ctr"/>
-                      <a:r>
-                        <a:rPr lang="en-US" sz="1800" spc="300" dirty="0">
-                          <a:solidFill>
-                            <a:schemeClr val="tx1"/>
-                          </a:solidFill>
-                        </a:rPr>
-                        <a:t>NOV</a:t>
-                      </a:r>
-                    </a:p>
-                  </a:txBody>
-                  <a:tcPr anchor="ctr">
-                    <a:lnL w="12700" cmpd="sng">
-                      <a:noFill/>
-                    </a:lnL>
-                    <a:lnR w="12700" cmpd="sng">
-                      <a:noFill/>
-                    </a:lnR>
-                    <a:lnT w="38100" cmpd="sng">
-                      <a:noFill/>
-                    </a:lnT>
-                    <a:lnB w="3175" cap="flat" cmpd="sng" algn="ctr">
-                      <a:solidFill>
-                        <a:schemeClr val="bg2">
-                          <a:lumMod val="50000"/>
-                        </a:schemeClr>
-                      </a:solidFill>
-                      <a:prstDash val="solid"/>
-                      <a:round/>
-                      <a:headEnd type="none" w="med" len="med"/>
-                      <a:tailEnd type="none" w="med" len="med"/>
-                    </a:lnB>
-                    <a:lnTlToBr w="12700" cmpd="sng">
-                      <a:noFill/>
-                      <a:prstDash val="solid"/>
-                    </a:lnTlToBr>
-                    <a:lnBlToTr w="12700" cmpd="sng">
-                      <a:noFill/>
-                      <a:prstDash val="solid"/>
-                    </a:lnBlToTr>
-                    <a:noFill/>
-                  </a:tcPr>
-                </a:tc>
-                <a:tc>
-                  <a:txBody>
-                    <a:bodyPr/>
-                    <a:lstStyle/>
-                    <a:p>
-                      <a:pPr algn="ctr"/>
-                      <a:r>
-                        <a:rPr lang="en-US" sz="1800" spc="300" dirty="0">
-                          <a:solidFill>
-                            <a:schemeClr val="tx1"/>
-                          </a:solidFill>
-                        </a:rPr>
-                        <a:t>DEC</a:t>
-                      </a:r>
-                    </a:p>
-                  </a:txBody>
-                  <a:tcPr anchor="ctr">
-                    <a:lnL w="12700" cmpd="sng">
-                      <a:noFill/>
-                    </a:lnL>
-                    <a:lnR w="3175" cap="flat" cmpd="sng" algn="ctr">
-                      <a:solidFill>
-                        <a:schemeClr val="bg2">
-                          <a:lumMod val="50000"/>
-                        </a:schemeClr>
-                      </a:solidFill>
-                      <a:prstDash val="solid"/>
-                      <a:round/>
-                      <a:headEnd type="none" w="med" len="med"/>
-                      <a:tailEnd type="none" w="med" len="med"/>
-                    </a:lnR>
-                    <a:lnT w="38100" cmpd="sng">
-                      <a:noFill/>
-                    </a:lnT>
-                    <a:lnB w="3175" cap="flat" cmpd="sng" algn="ctr">
-                      <a:solidFill>
-                        <a:schemeClr val="bg2">
-                          <a:lumMod val="50000"/>
-                        </a:schemeClr>
-                      </a:solidFill>
-                      <a:prstDash val="solid"/>
-                      <a:round/>
-                      <a:headEnd type="none" w="med" len="med"/>
-                      <a:tailEnd type="none" w="med" len="med"/>
-                    </a:lnB>
-                    <a:lnTlToBr w="12700" cmpd="sng">
-                      <a:noFill/>
-                      <a:prstDash val="solid"/>
-                    </a:lnTlToBr>
-                    <a:lnBlToTr w="12700" cmpd="sng">
-                      <a:noFill/>
-                      <a:prstDash val="solid"/>
-                    </a:lnBlToTr>
-                    <a:noFill/>
-                  </a:tcPr>
-                </a:tc>
-                <a:tc>
-                  <a:txBody>
-                    <a:bodyPr/>
-                    <a:lstStyle/>
-                    <a:p>
-                      <a:pPr algn="ctr"/>
-                      <a:r>
-                        <a:rPr lang="en-US" sz="1800" spc="300" dirty="0">
-                          <a:solidFill>
-                            <a:schemeClr val="tx1"/>
-                          </a:solidFill>
-                        </a:rPr>
-                        <a:t>JAN</a:t>
-                      </a:r>
-                    </a:p>
-                  </a:txBody>
-                  <a:tcPr anchor="ctr">
-                    <a:lnL w="3175" cap="flat" cmpd="sng" algn="ctr">
-                      <a:solidFill>
-                        <a:schemeClr val="bg2">
-                          <a:lumMod val="50000"/>
-                        </a:schemeClr>
-                      </a:solidFill>
-                      <a:prstDash val="solid"/>
-                      <a:round/>
-                      <a:headEnd type="none" w="med" len="med"/>
-                      <a:tailEnd type="none" w="med" len="med"/>
-                    </a:lnL>
-                    <a:lnR w="12700" cmpd="sng">
-                      <a:noFill/>
-                    </a:lnR>
-                    <a:lnT w="38100" cmpd="sng">
-                      <a:noFill/>
-                    </a:lnT>
-                    <a:lnB w="3175" cap="flat" cmpd="sng" algn="ctr">
-                      <a:solidFill>
-                        <a:schemeClr val="bg2">
-                          <a:lumMod val="50000"/>
-                        </a:schemeClr>
-                      </a:solidFill>
-                      <a:prstDash val="solid"/>
-                      <a:round/>
-                      <a:headEnd type="none" w="med" len="med"/>
-                      <a:tailEnd type="none" w="med" len="med"/>
-                    </a:lnB>
-                    <a:lnTlToBr w="12700" cmpd="sng">
-                      <a:noFill/>
-                      <a:prstDash val="solid"/>
-                    </a:lnTlToBr>
-                    <a:lnBlToTr w="12700" cmpd="sng">
-                      <a:noFill/>
-                      <a:prstDash val="solid"/>
-                    </a:lnBlToTr>
-                    <a:noFill/>
-                  </a:tcPr>
-                </a:tc>
-                <a:tc>
-                  <a:txBody>
-                    <a:bodyPr/>
-                    <a:lstStyle/>
-                    <a:p>
-                      <a:pPr algn="ctr"/>
-                      <a:r>
-                        <a:rPr lang="en-US" sz="1800" spc="300" dirty="0">
-                          <a:solidFill>
-                            <a:schemeClr val="tx1"/>
-                          </a:solidFill>
-                        </a:rPr>
-                        <a:t>FEB</a:t>
-                      </a:r>
-                    </a:p>
-                  </a:txBody>
-                  <a:tcPr anchor="ctr">
-                    <a:lnL w="12700" cmpd="sng">
-                      <a:noFill/>
-                    </a:lnL>
-                    <a:lnR w="12700" cmpd="sng">
-                      <a:noFill/>
-                    </a:lnR>
-                    <a:lnT w="38100" cmpd="sng">
-                      <a:noFill/>
-                    </a:lnT>
-                    <a:lnB w="3175" cap="flat" cmpd="sng" algn="ctr">
-                      <a:solidFill>
-                        <a:schemeClr val="bg2">
-                          <a:lumMod val="50000"/>
-                        </a:schemeClr>
-                      </a:solidFill>
-                      <a:prstDash val="solid"/>
-                      <a:round/>
-                      <a:headEnd type="none" w="med" len="med"/>
-                      <a:tailEnd type="none" w="med" len="med"/>
-                    </a:lnB>
-                    <a:lnTlToBr w="12700" cmpd="sng">
-                      <a:noFill/>
-                      <a:prstDash val="solid"/>
-                    </a:lnTlToBr>
-                    <a:lnBlToTr w="12700" cmpd="sng">
-                      <a:noFill/>
-                      <a:prstDash val="solid"/>
-                    </a:lnBlToTr>
-                    <a:noFill/>
-                  </a:tcPr>
-                </a:tc>
-                <a:tc>
-                  <a:txBody>
-                    <a:bodyPr/>
-                    <a:lstStyle/>
-                    <a:p>
-                      <a:pPr algn="ctr"/>
-                      <a:r>
-                        <a:rPr lang="en-US" sz="1800" spc="300" dirty="0">
-                          <a:solidFill>
-                            <a:schemeClr val="tx1"/>
-                          </a:solidFill>
-                        </a:rPr>
-                        <a:t>MAR</a:t>
-                      </a:r>
-                    </a:p>
-                  </a:txBody>
-                  <a:tcPr anchor="ctr">
-                    <a:lnL w="12700" cmpd="sng">
-                      <a:noFill/>
-                    </a:lnL>
-                    <a:lnR w="3175" cap="flat" cmpd="sng" algn="ctr">
-                      <a:solidFill>
-                        <a:schemeClr val="bg2">
-                          <a:lumMod val="50000"/>
-                        </a:schemeClr>
-                      </a:solidFill>
-                      <a:prstDash val="solid"/>
-                      <a:round/>
-                      <a:headEnd type="none" w="med" len="med"/>
-                      <a:tailEnd type="none" w="med" len="med"/>
-                    </a:lnR>
-                    <a:lnT w="38100" cmpd="sng">
-                      <a:noFill/>
-                    </a:lnT>
-                    <a:lnB w="3175" cap="flat" cmpd="sng" algn="ctr">
-                      <a:solidFill>
-                        <a:schemeClr val="bg2">
-                          <a:lumMod val="50000"/>
-                        </a:schemeClr>
-                      </a:solidFill>
-                      <a:prstDash val="solid"/>
-                      <a:round/>
-                      <a:headEnd type="none" w="med" len="med"/>
-                      <a:tailEnd type="none" w="med" len="med"/>
-                    </a:lnB>
-                    <a:lnTlToBr w="12700" cmpd="sng">
-                      <a:noFill/>
-                      <a:prstDash val="solid"/>
-                    </a:lnTlToBr>
-                    <a:lnBlToTr w="12700" cmpd="sng">
-                      <a:noFill/>
-                      <a:prstDash val="solid"/>
-                    </a:lnBlToTr>
-                    <a:noFill/>
-                  </a:tcPr>
-                </a:tc>
-                <a:tc>
-                  <a:txBody>
-                    <a:bodyPr/>
-                    <a:lstStyle/>
-                    <a:p>
-                      <a:pPr algn="ctr"/>
-                      <a:r>
-                        <a:rPr lang="en-US" sz="1800" spc="300" dirty="0">
-                          <a:solidFill>
-                            <a:schemeClr val="tx1"/>
-                          </a:solidFill>
-                        </a:rPr>
-                        <a:t>APR</a:t>
-                      </a:r>
-                    </a:p>
-                  </a:txBody>
-                  <a:tcPr anchor="ctr">
-                    <a:lnL w="3175" cap="flat" cmpd="sng" algn="ctr">
-                      <a:solidFill>
-                        <a:schemeClr val="bg2">
-                          <a:lumMod val="50000"/>
-                        </a:schemeClr>
-                      </a:solidFill>
-                      <a:prstDash val="solid"/>
-                      <a:round/>
-                      <a:headEnd type="none" w="med" len="med"/>
-                      <a:tailEnd type="none" w="med" len="med"/>
-                    </a:lnL>
-                    <a:lnR w="12700" cmpd="sng">
-                      <a:noFill/>
-                    </a:lnR>
-                    <a:lnT w="38100" cmpd="sng">
-                      <a:noFill/>
-                    </a:lnT>
-                    <a:lnB w="3175" cap="flat" cmpd="sng" algn="ctr">
-                      <a:solidFill>
-                        <a:schemeClr val="bg2">
-                          <a:lumMod val="50000"/>
-                        </a:schemeClr>
-                      </a:solidFill>
-                      <a:prstDash val="solid"/>
-                      <a:round/>
-                      <a:headEnd type="none" w="med" len="med"/>
-                      <a:tailEnd type="none" w="med" len="med"/>
-                    </a:lnB>
-                    <a:lnTlToBr w="12700" cmpd="sng">
-                      <a:noFill/>
-                      <a:prstDash val="solid"/>
-                    </a:lnTlToBr>
-                    <a:lnBlToTr w="12700" cmpd="sng">
-                      <a:noFill/>
-                      <a:prstDash val="solid"/>
-                    </a:lnBlToTr>
-                    <a:noFill/>
-                  </a:tcPr>
-                </a:tc>
-                <a:tc>
-                  <a:txBody>
-                    <a:bodyPr/>
-                    <a:lstStyle/>
-                    <a:p>
-                      <a:pPr algn="ctr"/>
-                      <a:r>
-                        <a:rPr lang="en-US" sz="1800" spc="300" dirty="0">
-                          <a:solidFill>
-                            <a:schemeClr val="tx1"/>
-                          </a:solidFill>
-                        </a:rPr>
-                        <a:t>MAY</a:t>
-                      </a:r>
-                    </a:p>
-                  </a:txBody>
-                  <a:tcPr anchor="ctr">
-                    <a:lnL w="12700" cmpd="sng">
-                      <a:noFill/>
-                    </a:lnL>
-                    <a:lnR w="12700" cmpd="sng">
-                      <a:noFill/>
-                    </a:lnR>
-                    <a:lnT w="38100" cmpd="sng">
-                      <a:noFill/>
-                    </a:lnT>
-                    <a:lnB w="3175" cap="flat" cmpd="sng" algn="ctr">
-                      <a:solidFill>
-                        <a:schemeClr val="bg2">
-                          <a:lumMod val="50000"/>
-                        </a:schemeClr>
-                      </a:solidFill>
-                      <a:prstDash val="solid"/>
-                      <a:round/>
-                      <a:headEnd type="none" w="med" len="med"/>
-                      <a:tailEnd type="none" w="med" len="med"/>
-                    </a:lnB>
-                    <a:lnTlToBr w="12700" cmpd="sng">
-                      <a:noFill/>
-                      <a:prstDash val="solid"/>
-                    </a:lnTlToBr>
-                    <a:lnBlToTr w="12700" cmpd="sng">
-                      <a:noFill/>
-                      <a:prstDash val="solid"/>
-                    </a:lnBlToTr>
-                    <a:noFill/>
-                  </a:tcPr>
-                </a:tc>
-                <a:tc>
-                  <a:txBody>
-                    <a:bodyPr/>
-                    <a:lstStyle/>
-                    <a:p>
-                      <a:pPr algn="ctr"/>
-                      <a:r>
-                        <a:rPr lang="en-US" sz="1800" spc="300" dirty="0">
-                          <a:solidFill>
-                            <a:schemeClr val="tx1"/>
-                          </a:solidFill>
-                        </a:rPr>
-                        <a:t>JUN</a:t>
-                      </a:r>
-                    </a:p>
-                  </a:txBody>
-                  <a:tcPr anchor="ctr">
-                    <a:lnL w="12700" cmpd="sng">
-                      <a:noFill/>
-                    </a:lnL>
-                    <a:lnR w="12700" cmpd="sng">
-                      <a:noFill/>
-                    </a:lnR>
-                    <a:lnT w="38100" cmpd="sng">
-                      <a:noFill/>
-                    </a:lnT>
-                    <a:lnB w="3175" cap="flat" cmpd="sng" algn="ctr">
-                      <a:solidFill>
-                        <a:schemeClr val="bg2">
-                          <a:lumMod val="50000"/>
-                        </a:schemeClr>
-                      </a:solidFill>
-                      <a:prstDash val="solid"/>
-                      <a:round/>
-                      <a:headEnd type="none" w="med" len="med"/>
-                      <a:tailEnd type="none" w="med" len="med"/>
-                    </a:lnB>
-                    <a:lnTlToBr w="12700" cmpd="sng">
-                      <a:noFill/>
-                      <a:prstDash val="solid"/>
-                    </a:lnTlToBr>
-                    <a:lnBlToTr w="12700" cmpd="sng">
-                      <a:noFill/>
-                      <a:prstDash val="solid"/>
-                    </a:lnBlToTr>
-                    <a:noFill/>
-                  </a:tcPr>
-                </a:tc>
-                <a:extLst>
-                  <a:ext uri="{0D108BD9-81ED-4DB2-BD59-A6C34878D82A}">
-                    <a16:rowId xmlns:a16="http://schemas.microsoft.com/office/drawing/2014/main" val="939761096"/>
-                  </a:ext>
-                </a:extLst>
-              </a:tr>
-              <a:tr h="1645920">
-                <a:tc gridSpan="3">
-                  <a:txBody>
-                    <a:bodyPr/>
-                    <a:lstStyle/>
-                    <a:p>
-                      <a:pPr algn="ctr">
-                        <a:lnSpc>
-                          <a:spcPct val="150000"/>
-                        </a:lnSpc>
-                      </a:pPr>
-                      <a:r>
-                        <a:rPr lang="en-US" sz="1600" spc="300" dirty="0">
-                          <a:solidFill>
-                            <a:schemeClr val="tx1"/>
-                          </a:solidFill>
-                          <a:cs typeface="Biome Light" panose="020B0303030204020804" pitchFamily="34" charset="0"/>
-                        </a:rPr>
-                        <a:t>PRODUCT LAUNCH</a:t>
-                      </a:r>
-                    </a:p>
-                    <a:p>
-                      <a:pPr algn="ctr">
-                        <a:lnSpc>
-                          <a:spcPct val="100000"/>
-                        </a:lnSpc>
-                      </a:pPr>
-                      <a:r>
-                        <a:rPr lang="en-US" sz="1400" b="0" i="0" u="none" strike="noStrike" dirty="0">
-                          <a:solidFill>
-                            <a:schemeClr val="tx1"/>
-                          </a:solidFill>
-                          <a:effectLst/>
-                          <a:cs typeface="Biome Light" panose="020B0303030204020804" pitchFamily="34" charset="0"/>
-                        </a:rPr>
-                        <a:t>Lorem ipsum dolor sit amet, consectetur adipiscing elit. Mauris vitae lorem id leo accumsan.</a:t>
-                      </a:r>
-                      <a:endParaRPr lang="en-US" sz="1400" dirty="0">
-                        <a:solidFill>
-                          <a:schemeClr val="tx1"/>
-                        </a:solidFill>
-                        <a:cs typeface="Biome Light" panose="020B0303030204020804" pitchFamily="34" charset="0"/>
-                      </a:endParaRPr>
-                    </a:p>
-                  </a:txBody>
-                  <a:tcPr anchor="ctr">
-                    <a:lnL w="12700" cmpd="sng">
-                      <a:noFill/>
-                    </a:lnL>
-                    <a:lnR w="3175" cap="flat" cmpd="sng" algn="ctr">
-                      <a:solidFill>
-                        <a:schemeClr val="bg2">
-                          <a:lumMod val="50000"/>
-                        </a:schemeClr>
-                      </a:solidFill>
-                      <a:prstDash val="solid"/>
-                      <a:round/>
-                      <a:headEnd type="none" w="med" len="med"/>
-                      <a:tailEnd type="none" w="med" len="med"/>
-                    </a:lnR>
-                    <a:lnT w="3175" cap="flat" cmpd="sng" algn="ctr">
-                      <a:solidFill>
-                        <a:schemeClr val="bg2">
-                          <a:lumMod val="50000"/>
-                        </a:schemeClr>
-                      </a:solidFill>
-                      <a:prstDash val="solid"/>
-                      <a:round/>
-                      <a:headEnd type="none" w="med" len="med"/>
-                      <a:tailEnd type="none" w="med" len="med"/>
-                    </a:lnT>
-                    <a:lnB w="12700" cmpd="sng">
-                      <a:noFill/>
-                    </a:lnB>
-                    <a:lnTlToBr w="12700" cmpd="sng">
-                      <a:noFill/>
-                      <a:prstDash val="solid"/>
-                    </a:lnTlToBr>
-                    <a:lnBlToTr w="12700" cmpd="sng">
-                      <a:noFill/>
-                      <a:prstDash val="solid"/>
-                    </a:lnBlToTr>
-                    <a:noFill/>
-                  </a:tcPr>
-                </a:tc>
-                <a:tc hMerge="1">
-                  <a:txBody>
-                    <a:bodyPr/>
-                    <a:lstStyle/>
-                    <a:p>
-                      <a:endParaRPr lang="en-US" dirty="0"/>
-                    </a:p>
-                  </a:txBody>
-                  <a:tcPr/>
-                </a:tc>
-                <a:tc hMerge="1">
-                  <a:txBody>
-                    <a:bodyPr/>
-                    <a:lstStyle/>
-                    <a:p>
-                      <a:endParaRPr lang="en-US" dirty="0"/>
-                    </a:p>
-                  </a:txBody>
-                  <a:tcPr/>
-                </a:tc>
-                <a:tc gridSpan="3">
-                  <a:txBody>
-                    <a:bodyPr/>
-                    <a:lstStyle/>
-                    <a:p>
-                      <a:pPr algn="ctr">
-                        <a:lnSpc>
-                          <a:spcPct val="150000"/>
-                        </a:lnSpc>
-                      </a:pPr>
-                      <a:r>
-                        <a:rPr lang="en-US" sz="1600" spc="300" dirty="0">
-                          <a:solidFill>
-                            <a:schemeClr val="tx1"/>
-                          </a:solidFill>
-                          <a:cs typeface="Biome Light" panose="020B0303030204020804" pitchFamily="34" charset="0"/>
-                        </a:rPr>
-                        <a:t>PRODUCT LAUNCH</a:t>
-                      </a:r>
-                    </a:p>
-                    <a:p>
-                      <a:pPr algn="ctr">
-                        <a:lnSpc>
-                          <a:spcPct val="100000"/>
-                        </a:lnSpc>
-                      </a:pPr>
-                      <a:r>
-                        <a:rPr lang="en-US" sz="1400" b="0" i="0" u="none" strike="noStrike" dirty="0">
-                          <a:solidFill>
-                            <a:schemeClr val="tx1"/>
-                          </a:solidFill>
-                          <a:effectLst/>
-                          <a:cs typeface="Biome Light" panose="020B0303030204020804" pitchFamily="34" charset="0"/>
-                        </a:rPr>
-                        <a:t>Lorem ipsum dolor sit amet, consectetur adipiscing elit. Mauris vitae lorem id leo accumsan.</a:t>
-                      </a:r>
-                      <a:endParaRPr lang="en-US" sz="1400" dirty="0">
-                        <a:solidFill>
-                          <a:schemeClr val="tx1"/>
-                        </a:solidFill>
-                        <a:cs typeface="Biome Light" panose="020B0303030204020804" pitchFamily="34" charset="0"/>
-                      </a:endParaRPr>
-                    </a:p>
-                  </a:txBody>
-                  <a:tcPr anchor="ctr">
-                    <a:lnL w="3175" cap="flat" cmpd="sng" algn="ctr">
-                      <a:solidFill>
-                        <a:schemeClr val="bg2">
-                          <a:lumMod val="50000"/>
-                        </a:schemeClr>
-                      </a:solidFill>
-                      <a:prstDash val="solid"/>
-                      <a:round/>
-                      <a:headEnd type="none" w="med" len="med"/>
-                      <a:tailEnd type="none" w="med" len="med"/>
-                    </a:lnL>
-                    <a:lnR w="3175" cap="flat" cmpd="sng" algn="ctr">
-                      <a:solidFill>
-                        <a:schemeClr val="bg2">
-                          <a:lumMod val="50000"/>
-                        </a:schemeClr>
-                      </a:solidFill>
-                      <a:prstDash val="solid"/>
-                      <a:round/>
-                      <a:headEnd type="none" w="med" len="med"/>
-                      <a:tailEnd type="none" w="med" len="med"/>
-                    </a:lnR>
-                    <a:lnT w="3175" cap="flat" cmpd="sng" algn="ctr">
-                      <a:solidFill>
-                        <a:schemeClr val="bg2">
-                          <a:lumMod val="50000"/>
-                        </a:schemeClr>
-                      </a:solidFill>
-                      <a:prstDash val="solid"/>
-                      <a:round/>
-                      <a:headEnd type="none" w="med" len="med"/>
-                      <a:tailEnd type="none" w="med" len="med"/>
-                    </a:lnT>
-                    <a:lnB w="12700" cmpd="sng">
-                      <a:noFill/>
-                    </a:lnB>
-                    <a:lnTlToBr w="12700" cmpd="sng">
-                      <a:noFill/>
-                      <a:prstDash val="solid"/>
-                    </a:lnTlToBr>
-                    <a:lnBlToTr w="12700" cmpd="sng">
-                      <a:noFill/>
-                      <a:prstDash val="solid"/>
-                    </a:lnBlToTr>
-                    <a:noFill/>
-                  </a:tcPr>
-                </a:tc>
-                <a:tc hMerge="1">
-                  <a:txBody>
-                    <a:bodyPr/>
-                    <a:lstStyle/>
-                    <a:p>
-                      <a:endParaRPr lang="en-US" dirty="0"/>
-                    </a:p>
-                  </a:txBody>
-                  <a:tcPr/>
-                </a:tc>
-                <a:tc hMerge="1">
-                  <a:txBody>
-                    <a:bodyPr/>
-                    <a:lstStyle/>
-                    <a:p>
-                      <a:endParaRPr lang="en-US" dirty="0"/>
-                    </a:p>
-                  </a:txBody>
-                  <a:tcPr/>
-                </a:tc>
-                <a:tc gridSpan="3">
-                  <a:txBody>
-                    <a:bodyPr/>
-                    <a:lstStyle/>
-                    <a:p>
-                      <a:pPr algn="ctr">
-                        <a:lnSpc>
-                          <a:spcPct val="150000"/>
-                        </a:lnSpc>
-                      </a:pPr>
-                      <a:r>
-                        <a:rPr lang="en-US" sz="1600" spc="300" dirty="0">
-                          <a:solidFill>
-                            <a:schemeClr val="tx1"/>
-                          </a:solidFill>
-                          <a:cs typeface="Biome Light" panose="020B0303030204020804" pitchFamily="34" charset="0"/>
-                        </a:rPr>
-                        <a:t>PRODUCT LAUNCH</a:t>
-                      </a:r>
-                    </a:p>
-                    <a:p>
-                      <a:pPr algn="ctr">
-                        <a:lnSpc>
-                          <a:spcPct val="100000"/>
-                        </a:lnSpc>
-                      </a:pPr>
-                      <a:r>
-                        <a:rPr lang="en-US" sz="1400" b="0" i="0" u="none" strike="noStrike" dirty="0">
-                          <a:solidFill>
-                            <a:schemeClr val="tx1"/>
-                          </a:solidFill>
-                          <a:effectLst/>
-                          <a:cs typeface="Biome Light" panose="020B0303030204020804" pitchFamily="34" charset="0"/>
-                        </a:rPr>
-                        <a:t>Lorem ipsum dolor sit amet, consectetur adipiscing elit. Mauris vitae lorem id leo accumsan.</a:t>
-                      </a:r>
-                      <a:endParaRPr lang="en-US" sz="1400" dirty="0">
-                        <a:solidFill>
-                          <a:schemeClr val="tx1"/>
-                        </a:solidFill>
-                        <a:cs typeface="Biome Light" panose="020B0303030204020804" pitchFamily="34" charset="0"/>
-                      </a:endParaRPr>
-                    </a:p>
-                  </a:txBody>
-                  <a:tcPr anchor="ctr">
-                    <a:lnL w="3175" cap="flat" cmpd="sng" algn="ctr">
-                      <a:solidFill>
-                        <a:schemeClr val="bg2">
-                          <a:lumMod val="50000"/>
-                        </a:schemeClr>
-                      </a:solidFill>
-                      <a:prstDash val="solid"/>
-                      <a:round/>
-                      <a:headEnd type="none" w="med" len="med"/>
-                      <a:tailEnd type="none" w="med" len="med"/>
-                    </a:lnL>
-                    <a:lnR w="3175" cap="flat" cmpd="sng" algn="ctr">
-                      <a:solidFill>
-                        <a:schemeClr val="bg2">
-                          <a:lumMod val="50000"/>
-                        </a:schemeClr>
-                      </a:solidFill>
-                      <a:prstDash val="solid"/>
-                      <a:round/>
-                      <a:headEnd type="none" w="med" len="med"/>
-                      <a:tailEnd type="none" w="med" len="med"/>
-                    </a:lnR>
-                    <a:lnT w="3175" cap="flat" cmpd="sng" algn="ctr">
-                      <a:solidFill>
-                        <a:schemeClr val="bg2">
-                          <a:lumMod val="50000"/>
-                        </a:schemeClr>
-                      </a:solidFill>
-                      <a:prstDash val="solid"/>
-                      <a:round/>
-                      <a:headEnd type="none" w="med" len="med"/>
-                      <a:tailEnd type="none" w="med" len="med"/>
-                    </a:lnT>
-                    <a:lnB w="12700" cmpd="sng">
-                      <a:noFill/>
-                    </a:lnB>
-                    <a:lnTlToBr w="12700" cmpd="sng">
-                      <a:noFill/>
-                      <a:prstDash val="solid"/>
-                    </a:lnTlToBr>
-                    <a:lnBlToTr w="12700" cmpd="sng">
-                      <a:noFill/>
-                      <a:prstDash val="solid"/>
-                    </a:lnBlToTr>
-                    <a:noFill/>
-                  </a:tcPr>
-                </a:tc>
-                <a:tc hMerge="1">
-                  <a:txBody>
-                    <a:bodyPr/>
-                    <a:lstStyle/>
-                    <a:p>
-                      <a:endParaRPr lang="en-US" dirty="0"/>
-                    </a:p>
-                  </a:txBody>
-                  <a:tcPr/>
-                </a:tc>
-                <a:tc hMerge="1">
-                  <a:txBody>
-                    <a:bodyPr/>
-                    <a:lstStyle/>
-                    <a:p>
-                      <a:endParaRPr lang="en-US" dirty="0"/>
-                    </a:p>
-                  </a:txBody>
-                  <a:tcPr/>
-                </a:tc>
-                <a:tc gridSpan="3">
-                  <a:txBody>
-                    <a:bodyPr/>
-                    <a:lstStyle/>
-                    <a:p>
-                      <a:pPr algn="ctr">
-                        <a:lnSpc>
-                          <a:spcPct val="150000"/>
-                        </a:lnSpc>
-                      </a:pPr>
-                      <a:r>
-                        <a:rPr lang="en-US" sz="1600" spc="300" dirty="0">
-                          <a:solidFill>
-                            <a:schemeClr val="tx1"/>
-                          </a:solidFill>
-                          <a:cs typeface="Biome Light" panose="020B0303030204020804" pitchFamily="34" charset="0"/>
-                        </a:rPr>
-                        <a:t>PRODUCT LAUNCH</a:t>
-                      </a:r>
-                    </a:p>
-                    <a:p>
-                      <a:pPr algn="ctr">
-                        <a:lnSpc>
-                          <a:spcPct val="100000"/>
-                        </a:lnSpc>
-                      </a:pPr>
-                      <a:r>
-                        <a:rPr lang="en-US" sz="1400" b="0" i="0" u="none" strike="noStrike" dirty="0">
-                          <a:solidFill>
-                            <a:schemeClr val="tx1"/>
-                          </a:solidFill>
-                          <a:effectLst/>
-                          <a:cs typeface="Biome Light" panose="020B0303030204020804" pitchFamily="34" charset="0"/>
-                        </a:rPr>
-                        <a:t>Lorem ipsum dolor sit amet, consectetur adipiscing elit. Mauris vitae lorem id leo accumsan.</a:t>
-                      </a:r>
-                      <a:endParaRPr lang="en-US" sz="1400" dirty="0">
-                        <a:solidFill>
-                          <a:schemeClr val="tx1"/>
-                        </a:solidFill>
-                        <a:cs typeface="Biome Light" panose="020B0303030204020804" pitchFamily="34" charset="0"/>
-                      </a:endParaRPr>
-                    </a:p>
-                  </a:txBody>
-                  <a:tcPr anchor="ctr">
-                    <a:lnL w="3175" cap="flat" cmpd="sng" algn="ctr">
-                      <a:solidFill>
-                        <a:schemeClr val="bg2">
-                          <a:lumMod val="50000"/>
-                        </a:schemeClr>
-                      </a:solidFill>
-                      <a:prstDash val="solid"/>
-                      <a:round/>
-                      <a:headEnd type="none" w="med" len="med"/>
-                      <a:tailEnd type="none" w="med" len="med"/>
-                    </a:lnL>
-                    <a:lnR w="12700" cmpd="sng">
-                      <a:noFill/>
-                    </a:lnR>
-                    <a:lnT w="3175" cap="flat" cmpd="sng" algn="ctr">
-                      <a:solidFill>
-                        <a:schemeClr val="bg2">
-                          <a:lumMod val="50000"/>
-                        </a:schemeClr>
-                      </a:solidFill>
-                      <a:prstDash val="solid"/>
-                      <a:round/>
-                      <a:headEnd type="none" w="med" len="med"/>
-                      <a:tailEnd type="none" w="med" len="med"/>
-                    </a:lnT>
-                    <a:lnB w="12700" cmpd="sng">
-                      <a:noFill/>
-                    </a:lnB>
-                    <a:lnTlToBr w="12700" cmpd="sng">
-                      <a:noFill/>
-                      <a:prstDash val="solid"/>
-                    </a:lnTlToBr>
-                    <a:lnBlToTr w="12700" cmpd="sng">
-                      <a:noFill/>
-                      <a:prstDash val="solid"/>
-                    </a:lnBlToTr>
-                    <a:noFill/>
-                  </a:tcPr>
-                </a:tc>
-                <a:tc hMerge="1">
-                  <a:txBody>
-                    <a:bodyPr/>
-                    <a:lstStyle/>
-                    <a:p>
-                      <a:endParaRPr lang="en-US" dirty="0"/>
-                    </a:p>
-                  </a:txBody>
-                  <a:tcPr/>
-                </a:tc>
-                <a:tc hMerge="1">
-                  <a:txBody>
-                    <a:bodyPr/>
-                    <a:lstStyle/>
-                    <a:p>
-                      <a:endParaRPr lang="en-US" dirty="0"/>
-                    </a:p>
-                  </a:txBody>
-                  <a:tcPr/>
-                </a:tc>
-                <a:extLst>
-                  <a:ext uri="{0D108BD9-81ED-4DB2-BD59-A6C34878D82A}">
-                    <a16:rowId xmlns:a16="http://schemas.microsoft.com/office/drawing/2014/main" val="50372063"/>
-                  </a:ext>
-                </a:extLst>
-              </a:tr>
-            </a:tbl>
-          </a:graphicData>
-        </a:graphic>
-      </p:graphicFrame>
+              <a:t>Random forest Regression</a:t>
+            </a:r>
+            <a:endParaRPr lang="en-US" sz="4800" dirty="0"/>
+          </a:p>
+        </p:txBody>
+      </p:sp>
       <p:sp>
         <p:nvSpPr>
           <p:cNvPr id="6" name="Slide Number Placeholder 5">
@@ -7723,6 +6304,129 @@
           </a:p>
         </p:txBody>
       </p:sp>
+      <p:sp>
+        <p:nvSpPr>
+          <p:cNvPr id="2" name="TextBox 1">
+            <a:extLst>
+              <a:ext uri="{FF2B5EF4-FFF2-40B4-BE49-F238E27FC236}">
+                <a16:creationId xmlns:a16="http://schemas.microsoft.com/office/drawing/2014/main" id="{6810634F-9457-4028-B34A-8FBC07B2CE42}"/>
+              </a:ext>
+            </a:extLst>
+          </p:cNvPr>
+          <p:cNvSpPr txBox="1"/>
+          <p:nvPr/>
+        </p:nvSpPr>
+        <p:spPr>
+          <a:xfrm>
+            <a:off x="3718560" y="5557812"/>
+            <a:ext cx="6675120" cy="646331"/>
+          </a:xfrm>
+          <a:prstGeom prst="rect">
+            <a:avLst/>
+          </a:prstGeom>
+          <a:noFill/>
+        </p:spPr>
+        <p:txBody>
+          <a:bodyPr wrap="square" rtlCol="0">
+            <a:spAutoFit/>
+          </a:bodyPr>
+          <a:lstStyle/>
+          <a:p>
+            <a:r>
+              <a:rPr lang="en-US" sz="3600" dirty="0"/>
+              <a:t>Results: Inconclusive?</a:t>
+            </a:r>
+          </a:p>
+        </p:txBody>
+      </p:sp>
+      <p:sp>
+        <p:nvSpPr>
+          <p:cNvPr id="5" name="TextBox 4">
+            <a:extLst>
+              <a:ext uri="{FF2B5EF4-FFF2-40B4-BE49-F238E27FC236}">
+                <a16:creationId xmlns:a16="http://schemas.microsoft.com/office/drawing/2014/main" id="{42E992AD-3336-4ECA-9E14-5D58AFBC5C68}"/>
+              </a:ext>
+            </a:extLst>
+          </p:cNvPr>
+          <p:cNvSpPr txBox="1"/>
+          <p:nvPr/>
+        </p:nvSpPr>
+        <p:spPr>
+          <a:xfrm>
+            <a:off x="756920" y="1728135"/>
+            <a:ext cx="10678160" cy="830997"/>
+          </a:xfrm>
+          <a:prstGeom prst="rect">
+            <a:avLst/>
+          </a:prstGeom>
+          <a:noFill/>
+        </p:spPr>
+        <p:txBody>
+          <a:bodyPr wrap="square" rtlCol="0">
+            <a:spAutoFit/>
+          </a:bodyPr>
+          <a:lstStyle/>
+          <a:p>
+            <a:r>
+              <a:rPr lang="en-US" sz="2400" dirty="0"/>
+              <a:t>Inputs: Sex, Race, Ethnicity, County Code</a:t>
+            </a:r>
+          </a:p>
+          <a:p>
+            <a:r>
+              <a:rPr lang="en-US" sz="2400" dirty="0"/>
+              <a:t>Output: Denial Reason for Loan</a:t>
+            </a:r>
+          </a:p>
+        </p:txBody>
+      </p:sp>
+      <p:pic>
+        <p:nvPicPr>
+          <p:cNvPr id="1026" name="Picture 2" descr="Random Forests®, Explained">
+            <a:extLst>
+              <a:ext uri="{FF2B5EF4-FFF2-40B4-BE49-F238E27FC236}">
+                <a16:creationId xmlns:a16="http://schemas.microsoft.com/office/drawing/2014/main" id="{5C394ADF-401D-4363-AB8A-BC298DCBB6FC}"/>
+              </a:ext>
+            </a:extLst>
+          </p:cNvPr>
+          <p:cNvPicPr>
+            <a:picLocks noChangeAspect="1" noChangeArrowheads="1"/>
+          </p:cNvPicPr>
+          <p:nvPr/>
+        </p:nvPicPr>
+        <p:blipFill>
+          <a:blip r:embed="rId2">
+            <a:extLst>
+              <a:ext uri="{28A0092B-C50C-407E-A947-70E740481C1C}">
+                <a14:useLocalDpi xmlns:a14="http://schemas.microsoft.com/office/drawing/2010/main" val="0"/>
+              </a:ext>
+            </a:extLst>
+          </a:blip>
+          <a:srcRect/>
+          <a:stretch>
+            <a:fillRect/>
+          </a:stretch>
+        </p:blipFill>
+        <p:spPr bwMode="auto">
+          <a:xfrm>
+            <a:off x="5476240" y="2347702"/>
+            <a:ext cx="3992880" cy="2994660"/>
+          </a:xfrm>
+          <a:prstGeom prst="rect">
+            <a:avLst/>
+          </a:prstGeom>
+          <a:noFill/>
+          <a:extLst>
+            <a:ext uri="{909E8E84-426E-40DD-AFC4-6F175D3DCCD1}">
+              <a14:hiddenFill xmlns:a14="http://schemas.microsoft.com/office/drawing/2010/main">
+                <a:solidFill>
+                  <a:srgbClr val="FFFFFF"/>
+                </a:solidFill>
+              </a14:hiddenFill>
+            </a:ext>
+          </a:extLst>
+        </p:spPr>
+      </p:pic>
     </p:spTree>
     <p:extLst>
       <p:ext uri="{BB962C8B-B14F-4D97-AF65-F5344CB8AC3E}">
@@ -7771,8 +6475,8 @@
         </p:nvSpPr>
         <p:spPr>
           <a:xfrm>
-            <a:off x="5982031" y="0"/>
-            <a:ext cx="5897218" cy="797773"/>
+            <a:off x="5982030" y="0"/>
+            <a:ext cx="5897218" cy="701040"/>
           </a:xfrm>
         </p:spPr>
         <p:txBody>
@@ -8274,6 +6978,61 @@
               </a:rPr>
               <a:t>And Whites represent a disproportionate majority, as compared to overall NC population percentages</a:t>
             </a:r>
+          </a:p>
+          <a:p>
+            <a:pPr marL="0" marR="0" lvl="0" indent="0" algn="l" defTabSz="914400" rtl="0" eaLnBrk="1" fontAlgn="auto" latinLnBrk="0" hangingPunct="1">
+              <a:lnSpc>
+                <a:spcPct val="100000"/>
+              </a:lnSpc>
+              <a:spcBef>
+                <a:spcPts val="1000"/>
+              </a:spcBef>
+              <a:spcAft>
+                <a:spcPts val="0"/>
+              </a:spcAft>
+              <a:buClrTx/>
+              <a:buSzTx/>
+              <a:buFont typeface="Arial" panose="020B0604020202020204" pitchFamily="34" charset="0"/>
+              <a:buNone/>
+              <a:tabLst/>
+              <a:defRPr/>
+            </a:pPr>
+            <a:endParaRPr lang="en-US" dirty="0">
+              <a:cs typeface="Biome Light" panose="020B0303030204020804" pitchFamily="34" charset="0"/>
+            </a:endParaRPr>
+          </a:p>
+          <a:p>
+            <a:pPr marL="0" marR="0" lvl="0" indent="0" algn="l" defTabSz="914400" rtl="0" eaLnBrk="1" fontAlgn="auto" latinLnBrk="0" hangingPunct="1">
+              <a:lnSpc>
+                <a:spcPct val="100000"/>
+              </a:lnSpc>
+              <a:spcBef>
+                <a:spcPts val="1000"/>
+              </a:spcBef>
+              <a:spcAft>
+                <a:spcPts val="0"/>
+              </a:spcAft>
+              <a:buClrTx/>
+              <a:buSzTx/>
+              <a:buFont typeface="Arial" panose="020B0604020202020204" pitchFamily="34" charset="0"/>
+              <a:buNone/>
+              <a:tabLst/>
+              <a:defRPr/>
+            </a:pPr>
+            <a:endParaRPr kumimoji="0" lang="en-US" sz="1600" b="0" i="0" u="none" strike="noStrike" kern="1200" cap="none" spc="0" normalizeH="0" baseline="0" noProof="0" dirty="0">
+              <a:ln>
+                <a:noFill/>
+              </a:ln>
+              <a:solidFill>
+                <a:schemeClr val="tx1"/>
+              </a:solidFill>
+              <a:effectLst/>
+              <a:uLnTx/>
+              <a:uFillTx/>
+              <a:latin typeface="+mn-lt"/>
+              <a:ea typeface="+mn-ea"/>
+              <a:cs typeface="Biome Light" panose="020B0303030204020804" pitchFamily="34" charset="0"/>
+            </a:endParaRPr>
           </a:p>
           <a:p>
             <a:endParaRPr lang="en-US" b="1" dirty="0"/>
@@ -11694,6 +10453,15 @@
 </file>
 
 <file path=customXml/item2.xml><?xml version="1.0" encoding="utf-8"?>
+<p:properties xmlns:p="http://schemas.microsoft.com/office/2006/metadata/properties" xmlns:xsi="http://www.w3.org/2001/XMLSchema-instance" xmlns:pc="http://schemas.microsoft.com/office/infopath/2007/PartnerControls">
+  <documentManagement>
+    <Status xmlns="71af3243-3dd4-4a8d-8c0d-dd76da1f02a5">Not started</Status>
+    <MediaServiceKeyPoints xmlns="71af3243-3dd4-4a8d-8c0d-dd76da1f02a5" xsi:nil="true"/>
+  </documentManagement>
+</p:properties>
+</file>
+
+<file path=customXml/item3.xml><?xml version="1.0" encoding="utf-8"?>
 <ct:contentTypeSchema xmlns:ct="http://schemas.microsoft.com/office/2006/metadata/contentType" xmlns:ma="http://schemas.microsoft.com/office/2006/metadata/properties/metaAttributes" ct:_="" ma:_="" ma:contentTypeName="Document" ma:contentTypeID="0x01010079F111ED35F8CC479449609E8A0923A6" ma:contentTypeVersion="12" ma:contentTypeDescription="Create a new document." ma:contentTypeScope="" ma:versionID="426e97fa315356fffbdcd9876fe988c2">
   <xsd:schema xmlns:xsd="http://www.w3.org/2001/XMLSchema" xmlns:xs="http://www.w3.org/2001/XMLSchema" xmlns:p="http://schemas.microsoft.com/office/2006/metadata/properties" xmlns:ns2="71af3243-3dd4-4a8d-8c0d-dd76da1f02a5" xmlns:ns3="16c05727-aa75-4e4a-9b5f-8a80a1165891" targetNamespace="http://schemas.microsoft.com/office/2006/metadata/properties" ma:root="true" ma:fieldsID="14b8f0def80e6d70ce3def20c90759ae" ns2:_="" ns3:_="">
     <xsd:import namespace="71af3243-3dd4-4a8d-8c0d-dd76da1f02a5"/>
@@ -11914,15 +10682,6 @@
 </ct:contentTypeSchema>
 </file>
 
-<file path=customXml/item3.xml><?xml version="1.0" encoding="utf-8"?>
-<p:properties xmlns:p="http://schemas.microsoft.com/office/2006/metadata/properties" xmlns:xsi="http://www.w3.org/2001/XMLSchema-instance" xmlns:pc="http://schemas.microsoft.com/office/infopath/2007/PartnerControls">
-  <documentManagement>
-    <Status xmlns="71af3243-3dd4-4a8d-8c0d-dd76da1f02a5">Not started</Status>
-    <MediaServiceKeyPoints xmlns="71af3243-3dd4-4a8d-8c0d-dd76da1f02a5" xsi:nil="true"/>
-  </documentManagement>
-</p:properties>
-</file>
-
 <file path=customXml/itemProps1.xml><?xml version="1.0" encoding="utf-8"?>
 <ds:datastoreItem xmlns:ds="http://schemas.openxmlformats.org/officeDocument/2006/customXml" ds:itemID="{1B7E2D32-4FDD-4266-880C-17595B801432}">
   <ds:schemaRefs>
@@ -11932,6 +10691,16 @@
 </file>
 
 <file path=customXml/itemProps2.xml><?xml version="1.0" encoding="utf-8"?>
+<ds:datastoreItem xmlns:ds="http://schemas.openxmlformats.org/officeDocument/2006/customXml" ds:itemID="{E3D9F223-918A-45AF-9B53-56AB9E5E2182}">
+  <ds:schemaRefs>
+    <ds:schemaRef ds:uri="http://schemas.microsoft.com/office/2006/metadata/properties"/>
+    <ds:schemaRef ds:uri="http://schemas.microsoft.com/office/infopath/2007/PartnerControls"/>
+    <ds:schemaRef ds:uri="71af3243-3dd4-4a8d-8c0d-dd76da1f02a5"/>
+  </ds:schemaRefs>
+</ds:datastoreItem>
+</file>
+
+<file path=customXml/itemProps3.xml><?xml version="1.0" encoding="utf-8"?>
 <ds:datastoreItem xmlns:ds="http://schemas.openxmlformats.org/officeDocument/2006/customXml" ds:itemID="{55BB9993-D5F9-46FA-B2E5-80E3632E9820}">
   <ds:schemaRefs>
     <ds:schemaRef ds:uri="http://schemas.microsoft.com/office/2006/metadata/contentType"/>
@@ -11948,14 +10717,4 @@
     <ds:schemaRef ds:uri="http://schemas.microsoft.com/internal/obd"/>
   </ds:schemaRefs>
 </ds:datastoreItem>
-</file>
-
-<file path=customXml/itemProps3.xml><?xml version="1.0" encoding="utf-8"?>
-<ds:datastoreItem xmlns:ds="http://schemas.openxmlformats.org/officeDocument/2006/customXml" ds:itemID="{E3D9F223-918A-45AF-9B53-56AB9E5E2182}">
-  <ds:schemaRefs>
-    <ds:schemaRef ds:uri="http://schemas.microsoft.com/office/2006/metadata/properties"/>
-    <ds:schemaRef ds:uri="http://schemas.microsoft.com/office/infopath/2007/PartnerControls"/>
-    <ds:schemaRef ds:uri="71af3243-3dd4-4a8d-8c0d-dd76da1f02a5"/>
-  </ds:schemaRefs>
-</ds:datastoreItem>
 </file>